--- a/doc/後期プロゼミ仕様書UFO.pptx
+++ b/doc/後期プロゼミ仕様書UFO.pptx
@@ -6,24 +6,26 @@
   </p:sldMasterIdLst>
   <p:sldIdLst>
     <p:sldId id="256" r:id="rId2"/>
-    <p:sldId id="261" r:id="rId3"/>
-    <p:sldId id="279" r:id="rId4"/>
+    <p:sldId id="279" r:id="rId3"/>
+    <p:sldId id="261" r:id="rId4"/>
     <p:sldId id="262" r:id="rId5"/>
     <p:sldId id="264" r:id="rId6"/>
     <p:sldId id="260" r:id="rId7"/>
     <p:sldId id="263" r:id="rId8"/>
     <p:sldId id="277" r:id="rId9"/>
     <p:sldId id="265" r:id="rId10"/>
-    <p:sldId id="275" r:id="rId11"/>
-    <p:sldId id="276" r:id="rId12"/>
-    <p:sldId id="270" r:id="rId13"/>
-    <p:sldId id="267" r:id="rId14"/>
-    <p:sldId id="278" r:id="rId15"/>
-    <p:sldId id="266" r:id="rId16"/>
-    <p:sldId id="272" r:id="rId17"/>
-    <p:sldId id="274" r:id="rId18"/>
-    <p:sldId id="280" r:id="rId19"/>
-    <p:sldId id="273" r:id="rId20"/>
+    <p:sldId id="281" r:id="rId11"/>
+    <p:sldId id="275" r:id="rId12"/>
+    <p:sldId id="282" r:id="rId13"/>
+    <p:sldId id="276" r:id="rId14"/>
+    <p:sldId id="270" r:id="rId15"/>
+    <p:sldId id="267" r:id="rId16"/>
+    <p:sldId id="278" r:id="rId17"/>
+    <p:sldId id="266" r:id="rId18"/>
+    <p:sldId id="272" r:id="rId19"/>
+    <p:sldId id="274" r:id="rId20"/>
+    <p:sldId id="280" r:id="rId21"/>
+    <p:sldId id="273" r:id="rId22"/>
   </p:sldIdLst>
   <p:sldSz cx="12192000" cy="6858000"/>
   <p:notesSz cx="6858000" cy="9144000"/>
@@ -311,7 +313,7 @@
           <a:p>
             <a:fld id="{55EB847E-8FAC-4886-B030-ABFB5180DAA4}" type="datetimeFigureOut">
               <a:rPr kumimoji="1" lang="ja-JP" altLang="en-US" smtClean="0"/>
-              <a:t>2018/9/27</a:t>
+              <a:t>2018/10/4</a:t>
             </a:fld>
             <a:endParaRPr kumimoji="1" lang="ja-JP" altLang="en-US"/>
           </a:p>
@@ -673,7 +675,7 @@
           <a:p>
             <a:fld id="{55EB847E-8FAC-4886-B030-ABFB5180DAA4}" type="datetimeFigureOut">
               <a:rPr kumimoji="1" lang="ja-JP" altLang="en-US" smtClean="0"/>
-              <a:t>2018/9/27</a:t>
+              <a:t>2018/10/4</a:t>
             </a:fld>
             <a:endParaRPr kumimoji="1" lang="ja-JP" altLang="en-US"/>
           </a:p>
@@ -885,7 +887,7 @@
           <a:p>
             <a:fld id="{55EB847E-8FAC-4886-B030-ABFB5180DAA4}" type="datetimeFigureOut">
               <a:rPr kumimoji="1" lang="ja-JP" altLang="en-US" smtClean="0"/>
-              <a:t>2018/9/27</a:t>
+              <a:t>2018/10/4</a:t>
             </a:fld>
             <a:endParaRPr kumimoji="1" lang="ja-JP" altLang="en-US"/>
           </a:p>
@@ -1087,7 +1089,7 @@
           <a:p>
             <a:fld id="{55EB847E-8FAC-4886-B030-ABFB5180DAA4}" type="datetimeFigureOut">
               <a:rPr kumimoji="1" lang="ja-JP" altLang="en-US" smtClean="0"/>
-              <a:t>2018/9/27</a:t>
+              <a:t>2018/10/4</a:t>
             </a:fld>
             <a:endParaRPr kumimoji="1" lang="ja-JP" altLang="en-US"/>
           </a:p>
@@ -1364,7 +1366,7 @@
           <a:p>
             <a:fld id="{55EB847E-8FAC-4886-B030-ABFB5180DAA4}" type="datetimeFigureOut">
               <a:rPr kumimoji="1" lang="ja-JP" altLang="en-US" smtClean="0"/>
-              <a:t>2018/9/27</a:t>
+              <a:t>2018/10/4</a:t>
             </a:fld>
             <a:endParaRPr kumimoji="1" lang="ja-JP" altLang="en-US"/>
           </a:p>
@@ -1822,7 +1824,7 @@
           <a:p>
             <a:fld id="{55EB847E-8FAC-4886-B030-ABFB5180DAA4}" type="datetimeFigureOut">
               <a:rPr kumimoji="1" lang="ja-JP" altLang="en-US" smtClean="0"/>
-              <a:t>2018/9/27</a:t>
+              <a:t>2018/10/4</a:t>
             </a:fld>
             <a:endParaRPr kumimoji="1" lang="ja-JP" altLang="en-US"/>
           </a:p>
@@ -2363,7 +2365,7 @@
           <a:p>
             <a:fld id="{55EB847E-8FAC-4886-B030-ABFB5180DAA4}" type="datetimeFigureOut">
               <a:rPr kumimoji="1" lang="ja-JP" altLang="en-US" smtClean="0"/>
-              <a:t>2018/9/27</a:t>
+              <a:t>2018/10/4</a:t>
             </a:fld>
             <a:endParaRPr kumimoji="1" lang="ja-JP" altLang="en-US"/>
           </a:p>
@@ -2481,7 +2483,7 @@
           <a:p>
             <a:fld id="{55EB847E-8FAC-4886-B030-ABFB5180DAA4}" type="datetimeFigureOut">
               <a:rPr kumimoji="1" lang="ja-JP" altLang="en-US" smtClean="0"/>
-              <a:t>2018/9/27</a:t>
+              <a:t>2018/10/4</a:t>
             </a:fld>
             <a:endParaRPr kumimoji="1" lang="ja-JP" altLang="en-US"/>
           </a:p>
@@ -2576,7 +2578,7 @@
           <a:p>
             <a:fld id="{55EB847E-8FAC-4886-B030-ABFB5180DAA4}" type="datetimeFigureOut">
               <a:rPr kumimoji="1" lang="ja-JP" altLang="en-US" smtClean="0"/>
-              <a:t>2018/9/27</a:t>
+              <a:t>2018/10/4</a:t>
             </a:fld>
             <a:endParaRPr kumimoji="1" lang="ja-JP" altLang="en-US"/>
           </a:p>
@@ -2954,7 +2956,7 @@
           <a:p>
             <a:fld id="{55EB847E-8FAC-4886-B030-ABFB5180DAA4}" type="datetimeFigureOut">
               <a:rPr kumimoji="1" lang="ja-JP" altLang="en-US" smtClean="0"/>
-              <a:t>2018/9/27</a:t>
+              <a:t>2018/10/4</a:t>
             </a:fld>
             <a:endParaRPr kumimoji="1" lang="ja-JP" altLang="en-US"/>
           </a:p>
@@ -3342,7 +3344,7 @@
           <a:p>
             <a:fld id="{55EB847E-8FAC-4886-B030-ABFB5180DAA4}" type="datetimeFigureOut">
               <a:rPr kumimoji="1" lang="ja-JP" altLang="en-US" smtClean="0"/>
-              <a:t>2018/9/27</a:t>
+              <a:t>2018/10/4</a:t>
             </a:fld>
             <a:endParaRPr kumimoji="1" lang="ja-JP" altLang="en-US"/>
           </a:p>
@@ -3652,7 +3654,7 @@
           <a:p>
             <a:fld id="{55EB847E-8FAC-4886-B030-ABFB5180DAA4}" type="datetimeFigureOut">
               <a:rPr kumimoji="1" lang="ja-JP" altLang="en-US" smtClean="0"/>
-              <a:t>2018/9/27</a:t>
+              <a:t>2018/10/4</a:t>
             </a:fld>
             <a:endParaRPr kumimoji="1" lang="ja-JP" altLang="en-US"/>
           </a:p>
@@ -4255,7 +4257,7 @@
           <p:cNvPr id="2" name="タイトル 1">
             <a:extLst>
               <a:ext uri="{FF2B5EF4-FFF2-40B4-BE49-F238E27FC236}">
-                <a16:creationId xmlns:a16="http://schemas.microsoft.com/office/drawing/2014/main" id="{FC55936B-1E35-497F-B6E0-80FF783B72BE}"/>
+                <a16:creationId xmlns:a16="http://schemas.microsoft.com/office/drawing/2014/main" id="{5D863F57-27B2-4D61-A8F9-75BCE286F50F}"/>
               </a:ext>
             </a:extLst>
           </p:cNvPr>
@@ -4269,7 +4271,7 @@
         <p:spPr>
           <a:xfrm>
             <a:off x="1371600" y="685800"/>
-            <a:ext cx="9601200" cy="880353"/>
+            <a:ext cx="9601200" cy="797767"/>
           </a:xfrm>
         </p:spPr>
         <p:txBody>
@@ -4278,7 +4280,7 @@
           <a:p>
             <a:r>
               <a:rPr kumimoji="1" lang="ja-JP" altLang="en-US" dirty="0"/>
-              <a:t>武器仕様</a:t>
+              <a:t>ゲームルール②</a:t>
             </a:r>
           </a:p>
         </p:txBody>
@@ -4288,7 +4290,7 @@
           <p:cNvPr id="3" name="コンテンツ プレースホルダー 2">
             <a:extLst>
               <a:ext uri="{FF2B5EF4-FFF2-40B4-BE49-F238E27FC236}">
-                <a16:creationId xmlns:a16="http://schemas.microsoft.com/office/drawing/2014/main" id="{CCD34448-11AD-40BB-B094-1A05F4EE2491}"/>
+                <a16:creationId xmlns:a16="http://schemas.microsoft.com/office/drawing/2014/main" id="{C479383E-732A-42E3-B125-75121D39FD24}"/>
               </a:ext>
             </a:extLst>
           </p:cNvPr>
@@ -4301,8 +4303,8 @@
         </p:nvSpPr>
         <p:spPr>
           <a:xfrm>
-            <a:off x="1371600" y="1566153"/>
-            <a:ext cx="9601200" cy="4301247"/>
+            <a:off x="1371600" y="1483567"/>
+            <a:ext cx="9601200" cy="4383833"/>
           </a:xfrm>
         </p:spPr>
         <p:txBody>
@@ -4311,12 +4313,35 @@
           </a:bodyPr>
           <a:lstStyle/>
           <a:p>
+            <a:r>
+              <a:rPr kumimoji="1" lang="ja-JP" altLang="en-US" dirty="0"/>
+              <a:t>近接コマンド</a:t>
+            </a:r>
+            <a:endParaRPr kumimoji="1" lang="en-US" altLang="ja-JP" dirty="0"/>
+          </a:p>
+          <a:p>
             <a:pPr marL="0" indent="0">
               <a:buNone/>
             </a:pPr>
             <a:r>
               <a:rPr lang="ja-JP" altLang="en-US" dirty="0"/>
-              <a:t>・近接武器種類</a:t>
+              <a:t>　</a:t>
+            </a:r>
+            <a:r>
+              <a:rPr lang="en-US" altLang="ja-JP" dirty="0"/>
+              <a:t>×</a:t>
+            </a:r>
+            <a:r>
+              <a:rPr lang="ja-JP" altLang="en-US" dirty="0"/>
+              <a:t>＋左スティック下・・・下弱攻撃　</a:t>
+            </a:r>
+            <a:r>
+              <a:rPr lang="en-US" altLang="ja-JP" dirty="0"/>
+              <a:t> </a:t>
+            </a:r>
+            <a:r>
+              <a:rPr lang="ja-JP" altLang="en-US" dirty="0"/>
+              <a:t>〇＋左スティック下・・・下強攻撃</a:t>
             </a:r>
             <a:endParaRPr lang="en-US" altLang="ja-JP" dirty="0"/>
           </a:p>
@@ -4325,10 +4350,26 @@
               <a:buNone/>
             </a:pPr>
             <a:r>
-              <a:rPr kumimoji="1" lang="ja-JP" altLang="en-US" dirty="0"/>
-              <a:t>　　剣・・・攻撃速度はふつう、リーチが長く、すこし攻撃力が１５</a:t>
-            </a:r>
-            <a:endParaRPr kumimoji="1" lang="en-US" altLang="ja-JP" dirty="0"/>
+              <a:rPr lang="ja-JP" altLang="en-US" dirty="0"/>
+              <a:t>　</a:t>
+            </a:r>
+            <a:r>
+              <a:rPr lang="en-US" altLang="ja-JP" dirty="0"/>
+              <a:t>×</a:t>
+            </a:r>
+            <a:r>
+              <a:rPr lang="ja-JP" altLang="en-US" dirty="0"/>
+              <a:t>ボタン連続入力　・・・</a:t>
+            </a:r>
+            <a:r>
+              <a:rPr lang="en-US" altLang="ja-JP" dirty="0"/>
+              <a:t>3</a:t>
+            </a:r>
+            <a:r>
+              <a:rPr lang="ja-JP" altLang="en-US" dirty="0"/>
+              <a:t>段まで連続攻撃</a:t>
+            </a:r>
+            <a:endParaRPr lang="en-US" altLang="ja-JP" dirty="0"/>
           </a:p>
           <a:p>
             <a:pPr marL="0" indent="0">
@@ -4336,7 +4377,7 @@
             </a:pPr>
             <a:r>
               <a:rPr lang="ja-JP" altLang="en-US" dirty="0"/>
-              <a:t>　　ナックル・・・攻撃速度がはやい、リーチが短い、攻撃力は３０</a:t>
+              <a:t>　</a:t>
             </a:r>
             <a:endParaRPr lang="en-US" altLang="ja-JP" dirty="0"/>
           </a:p>
@@ -4344,9 +4385,12 @@
             <a:pPr marL="0" indent="0">
               <a:buNone/>
             </a:pPr>
+            <a:endParaRPr lang="en-US" altLang="ja-JP" dirty="0"/>
+          </a:p>
+          <a:p>
             <a:r>
               <a:rPr lang="ja-JP" altLang="en-US" dirty="0"/>
-              <a:t>　　ハンマー・・・攻撃速度がおそく、リーチが普通、攻撃力が４５</a:t>
+              <a:t>射撃コマンド</a:t>
             </a:r>
             <a:endParaRPr kumimoji="1" lang="en-US" altLang="ja-JP" dirty="0"/>
           </a:p>
@@ -4355,22 +4399,30 @@
               <a:buNone/>
             </a:pPr>
             <a:r>
+              <a:rPr kumimoji="1" lang="ja-JP" altLang="en-US" dirty="0"/>
+              <a:t>　左スティック上、下、進行方向または何も入力しない</a:t>
+            </a:r>
+            <a:r>
               <a:rPr lang="ja-JP" altLang="en-US" dirty="0"/>
-              <a:t>・射撃武器種類</a:t>
-            </a:r>
-            <a:endParaRPr lang="en-US" altLang="ja-JP" dirty="0"/>
+              <a:t>に</a:t>
+            </a:r>
+            <a:r>
+              <a:rPr kumimoji="1" lang="ja-JP" altLang="en-US" dirty="0"/>
+              <a:t>よって射撃武器の発射角　　　　　</a:t>
+            </a:r>
+            <a:endParaRPr kumimoji="1" lang="en-US" altLang="ja-JP" dirty="0"/>
           </a:p>
           <a:p>
             <a:pPr marL="0" indent="0">
               <a:buNone/>
             </a:pPr>
             <a:r>
+              <a:rPr lang="ja-JP" altLang="en-US" dirty="0"/>
+              <a:t>　</a:t>
+            </a:r>
+            <a:r>
               <a:rPr kumimoji="1" lang="ja-JP" altLang="en-US" dirty="0"/>
-              <a:t>　　マシンガン・・・連射速度</a:t>
-            </a:r>
-            <a:r>
-              <a:rPr lang="ja-JP" altLang="en-US" dirty="0"/>
-              <a:t>がはやく、１発３</a:t>
+              <a:t>度が違う</a:t>
             </a:r>
             <a:endParaRPr kumimoji="1" lang="en-US" altLang="ja-JP" dirty="0"/>
           </a:p>
@@ -4380,7 +4432,31 @@
             </a:pPr>
             <a:r>
               <a:rPr lang="ja-JP" altLang="en-US" dirty="0"/>
-              <a:t>　　レーザー・・・ため時間がすこしながく、１発２０</a:t>
+              <a:t>　上・・・斜め上</a:t>
+            </a:r>
+            <a:r>
+              <a:rPr lang="en-US" altLang="ja-JP" dirty="0"/>
+              <a:t>45</a:t>
+            </a:r>
+            <a:r>
+              <a:rPr lang="ja-JP" altLang="en-US" dirty="0"/>
+              <a:t>度</a:t>
+            </a:r>
+            <a:r>
+              <a:rPr lang="en-US" altLang="ja-JP" dirty="0"/>
+              <a:t>		</a:t>
+            </a:r>
+            <a:r>
+              <a:rPr lang="ja-JP" altLang="en-US" dirty="0"/>
+              <a:t>下・・・斜め下</a:t>
+            </a:r>
+            <a:r>
+              <a:rPr lang="en-US" altLang="ja-JP" dirty="0"/>
+              <a:t>45</a:t>
+            </a:r>
+            <a:r>
+              <a:rPr lang="ja-JP" altLang="en-US" dirty="0"/>
+              <a:t>度</a:t>
             </a:r>
             <a:endParaRPr lang="en-US" altLang="ja-JP" dirty="0"/>
           </a:p>
@@ -4390,24 +4466,22 @@
             </a:pPr>
             <a:r>
               <a:rPr kumimoji="1" lang="ja-JP" altLang="en-US" dirty="0"/>
-              <a:t>　　</a:t>
-            </a:r>
-            <a:r>
-              <a:rPr kumimoji="1" lang="en-US" altLang="ja-JP" dirty="0"/>
-              <a:t>RPG</a:t>
-            </a:r>
-            <a:r>
-              <a:rPr kumimoji="1" lang="ja-JP" altLang="en-US" dirty="0"/>
-              <a:t>・・・弾のおそく、１発３５</a:t>
+              <a:t>　進行方向または入力しない・・・平行方向</a:t>
             </a:r>
             <a:endParaRPr kumimoji="1" lang="en-US" altLang="ja-JP" dirty="0"/>
+          </a:p>
+          <a:p>
+            <a:pPr marL="530352" lvl="1" indent="0">
+              <a:buNone/>
+            </a:pPr>
+            <a:endParaRPr kumimoji="1" lang="ja-JP" altLang="en-US" dirty="0"/>
           </a:p>
         </p:txBody>
       </p:sp>
     </p:spTree>
     <p:extLst>
       <p:ext uri="{BB962C8B-B14F-4D97-AF65-F5344CB8AC3E}">
-        <p14:creationId xmlns:p14="http://schemas.microsoft.com/office/powerpoint/2010/main" val="3576993908"/>
+        <p14:creationId xmlns:p14="http://schemas.microsoft.com/office/powerpoint/2010/main" val="3717003890"/>
       </p:ext>
     </p:extLst>
   </p:cSld>
@@ -4439,6 +4513,862 @@
           <p:cNvPr id="2" name="タイトル 1">
             <a:extLst>
               <a:ext uri="{FF2B5EF4-FFF2-40B4-BE49-F238E27FC236}">
+                <a16:creationId xmlns:a16="http://schemas.microsoft.com/office/drawing/2014/main" id="{FC55936B-1E35-497F-B6E0-80FF783B72BE}"/>
+              </a:ext>
+            </a:extLst>
+          </p:cNvPr>
+          <p:cNvSpPr>
+            <a:spLocks noGrp="1"/>
+          </p:cNvSpPr>
+          <p:nvPr>
+            <p:ph type="title"/>
+          </p:nvPr>
+        </p:nvSpPr>
+        <p:spPr>
+          <a:xfrm>
+            <a:off x="1371600" y="685800"/>
+            <a:ext cx="9601200" cy="880353"/>
+          </a:xfrm>
+        </p:spPr>
+        <p:txBody>
+          <a:bodyPr/>
+          <a:lstStyle/>
+          <a:p>
+            <a:r>
+              <a:rPr kumimoji="1" lang="ja-JP" altLang="en-US" dirty="0"/>
+              <a:t>武器仕様</a:t>
+            </a:r>
+          </a:p>
+        </p:txBody>
+      </p:sp>
+      <p:sp>
+        <p:nvSpPr>
+          <p:cNvPr id="3" name="コンテンツ プレースホルダー 2">
+            <a:extLst>
+              <a:ext uri="{FF2B5EF4-FFF2-40B4-BE49-F238E27FC236}">
+                <a16:creationId xmlns:a16="http://schemas.microsoft.com/office/drawing/2014/main" id="{CCD34448-11AD-40BB-B094-1A05F4EE2491}"/>
+              </a:ext>
+            </a:extLst>
+          </p:cNvPr>
+          <p:cNvSpPr>
+            <a:spLocks noGrp="1"/>
+          </p:cNvSpPr>
+          <p:nvPr>
+            <p:ph idx="1"/>
+          </p:nvPr>
+        </p:nvSpPr>
+        <p:spPr>
+          <a:xfrm>
+            <a:off x="1371600" y="1566153"/>
+            <a:ext cx="9601200" cy="4301247"/>
+          </a:xfrm>
+        </p:spPr>
+        <p:txBody>
+          <a:bodyPr>
+            <a:normAutofit/>
+          </a:bodyPr>
+          <a:lstStyle/>
+          <a:p>
+            <a:pPr marL="0" indent="0">
+              <a:buNone/>
+            </a:pPr>
+            <a:r>
+              <a:rPr lang="ja-JP" altLang="en-US" dirty="0"/>
+              <a:t>・近接武器種類</a:t>
+            </a:r>
+            <a:endParaRPr lang="en-US" altLang="ja-JP" dirty="0"/>
+          </a:p>
+          <a:p>
+            <a:pPr marL="0" indent="0">
+              <a:buNone/>
+            </a:pPr>
+            <a:r>
+              <a:rPr kumimoji="1" lang="ja-JP" altLang="en-US" dirty="0"/>
+              <a:t>　　剣　　　・・・攻撃速度はふつう、リーチが長く、攻撃力が１５</a:t>
+            </a:r>
+            <a:endParaRPr kumimoji="1" lang="en-US" altLang="ja-JP" dirty="0"/>
+          </a:p>
+          <a:p>
+            <a:pPr marL="0" indent="0">
+              <a:buNone/>
+            </a:pPr>
+            <a:r>
+              <a:rPr lang="ja-JP" altLang="en-US" dirty="0"/>
+              <a:t>　　ナックル・・・攻撃速度がはやい、リーチが短い、攻撃力は３０</a:t>
+            </a:r>
+            <a:endParaRPr lang="en-US" altLang="ja-JP" dirty="0"/>
+          </a:p>
+          <a:p>
+            <a:pPr marL="0" indent="0">
+              <a:buNone/>
+            </a:pPr>
+            <a:r>
+              <a:rPr lang="ja-JP" altLang="en-US" dirty="0"/>
+              <a:t>　　ハンマー・・・攻撃速度がおそく、リーチが普通、攻撃力が４５</a:t>
+            </a:r>
+            <a:endParaRPr kumimoji="1" lang="en-US" altLang="ja-JP" dirty="0"/>
+          </a:p>
+          <a:p>
+            <a:pPr marL="0" indent="0">
+              <a:buNone/>
+            </a:pPr>
+            <a:r>
+              <a:rPr lang="ja-JP" altLang="en-US" dirty="0"/>
+              <a:t>・射撃武器種類</a:t>
+            </a:r>
+            <a:endParaRPr lang="en-US" altLang="ja-JP" dirty="0"/>
+          </a:p>
+          <a:p>
+            <a:pPr marL="0" indent="0">
+              <a:buNone/>
+            </a:pPr>
+            <a:r>
+              <a:rPr kumimoji="1" lang="ja-JP" altLang="en-US" dirty="0"/>
+              <a:t>　　マシンガン・・・連射速度</a:t>
+            </a:r>
+            <a:r>
+              <a:rPr lang="ja-JP" altLang="en-US" dirty="0"/>
+              <a:t>がはやく、１発３</a:t>
+            </a:r>
+            <a:endParaRPr kumimoji="1" lang="en-US" altLang="ja-JP" dirty="0"/>
+          </a:p>
+          <a:p>
+            <a:pPr marL="0" indent="0">
+              <a:buNone/>
+            </a:pPr>
+            <a:r>
+              <a:rPr lang="ja-JP" altLang="en-US" dirty="0"/>
+              <a:t>　　レーザー　・・・ため時間がすこしながく、１発２０</a:t>
+            </a:r>
+            <a:endParaRPr lang="en-US" altLang="ja-JP" dirty="0"/>
+          </a:p>
+          <a:p>
+            <a:pPr marL="0" indent="0">
+              <a:buNone/>
+            </a:pPr>
+            <a:r>
+              <a:rPr kumimoji="1" lang="ja-JP" altLang="en-US" dirty="0"/>
+              <a:t>　　</a:t>
+            </a:r>
+            <a:r>
+              <a:rPr kumimoji="1" lang="en-US" altLang="ja-JP" dirty="0"/>
+              <a:t>RPG</a:t>
+            </a:r>
+            <a:r>
+              <a:rPr kumimoji="1" lang="ja-JP" altLang="en-US" dirty="0"/>
+              <a:t>　　　・・・弾がおそく、１発３５</a:t>
+            </a:r>
+            <a:endParaRPr kumimoji="1" lang="en-US" altLang="ja-JP" dirty="0"/>
+          </a:p>
+        </p:txBody>
+      </p:sp>
+      <p:sp>
+        <p:nvSpPr>
+          <p:cNvPr id="4" name="楕円 3">
+            <a:extLst>
+              <a:ext uri="{FF2B5EF4-FFF2-40B4-BE49-F238E27FC236}">
+                <a16:creationId xmlns:a16="http://schemas.microsoft.com/office/drawing/2014/main" id="{3186DB18-AEC4-4ADB-9082-830E393E3651}"/>
+              </a:ext>
+            </a:extLst>
+          </p:cNvPr>
+          <p:cNvSpPr/>
+          <p:nvPr/>
+        </p:nvSpPr>
+        <p:spPr>
+          <a:xfrm>
+            <a:off x="9588427" y="5210093"/>
+            <a:ext cx="1001848" cy="859693"/>
+          </a:xfrm>
+          <a:prstGeom prst="ellipse">
+            <a:avLst/>
+          </a:prstGeom>
+          <a:solidFill>
+            <a:srgbClr val="FF0000"/>
+          </a:solidFill>
+        </p:spPr>
+        <p:style>
+          <a:lnRef idx="2">
+            <a:schemeClr val="accent1">
+              <a:shade val="50000"/>
+            </a:schemeClr>
+          </a:lnRef>
+          <a:fillRef idx="1">
+            <a:schemeClr val="accent1"/>
+          </a:fillRef>
+          <a:effectRef idx="0">
+            <a:schemeClr val="accent1"/>
+          </a:effectRef>
+          <a:fontRef idx="minor">
+            <a:schemeClr val="lt1"/>
+          </a:fontRef>
+        </p:style>
+        <p:txBody>
+          <a:bodyPr rtlCol="0" anchor="ctr"/>
+          <a:lstStyle/>
+          <a:p>
+            <a:pPr algn="ctr"/>
+            <a:endParaRPr kumimoji="1" lang="ja-JP" altLang="en-US"/>
+          </a:p>
+        </p:txBody>
+      </p:sp>
+    </p:spTree>
+    <p:extLst>
+      <p:ext uri="{BB962C8B-B14F-4D97-AF65-F5344CB8AC3E}">
+        <p14:creationId xmlns:p14="http://schemas.microsoft.com/office/powerpoint/2010/main" val="3576993908"/>
+      </p:ext>
+    </p:extLst>
+  </p:cSld>
+  <p:clrMapOvr>
+    <a:masterClrMapping/>
+  </p:clrMapOvr>
+</p:sld>
+</file>
+
+<file path=ppt/slides/slide12.xml><?xml version="1.0" encoding="utf-8"?>
+<p:sld xmlns:a="http://schemas.openxmlformats.org/drawingml/2006/main" xmlns:r="http://schemas.openxmlformats.org/officeDocument/2006/relationships" xmlns:p="http://schemas.openxmlformats.org/presentationml/2006/main">
+  <p:cSld>
+    <p:spTree>
+      <p:nvGrpSpPr>
+        <p:cNvPr id="1" name=""/>
+        <p:cNvGrpSpPr/>
+        <p:nvPr/>
+      </p:nvGrpSpPr>
+      <p:grpSpPr>
+        <a:xfrm>
+          <a:off x="0" y="0"/>
+          <a:ext cx="0" cy="0"/>
+          <a:chOff x="0" y="0"/>
+          <a:chExt cx="0" cy="0"/>
+        </a:xfrm>
+      </p:grpSpPr>
+      <p:sp>
+        <p:nvSpPr>
+          <p:cNvPr id="2" name="タイトル 1">
+            <a:extLst>
+              <a:ext uri="{FF2B5EF4-FFF2-40B4-BE49-F238E27FC236}">
+                <a16:creationId xmlns:a16="http://schemas.microsoft.com/office/drawing/2014/main" id="{8AA98C79-E10D-421B-ADD9-141E8DCA2BD8}"/>
+              </a:ext>
+            </a:extLst>
+          </p:cNvPr>
+          <p:cNvSpPr>
+            <a:spLocks noGrp="1"/>
+          </p:cNvSpPr>
+          <p:nvPr>
+            <p:ph type="title"/>
+          </p:nvPr>
+        </p:nvSpPr>
+        <p:spPr>
+          <a:xfrm>
+            <a:off x="1371600" y="685800"/>
+            <a:ext cx="9601200" cy="819727"/>
+          </a:xfrm>
+        </p:spPr>
+        <p:txBody>
+          <a:bodyPr/>
+          <a:lstStyle/>
+          <a:p>
+            <a:r>
+              <a:rPr kumimoji="1" lang="ja-JP" altLang="en-US" dirty="0"/>
+              <a:t>武器仕様</a:t>
+            </a:r>
+          </a:p>
+        </p:txBody>
+      </p:sp>
+      <p:graphicFrame>
+        <p:nvGraphicFramePr>
+          <p:cNvPr id="4" name="コンテンツ プレースホルダー 3">
+            <a:extLst>
+              <a:ext uri="{FF2B5EF4-FFF2-40B4-BE49-F238E27FC236}">
+                <a16:creationId xmlns:a16="http://schemas.microsoft.com/office/drawing/2014/main" id="{A2CD5806-B463-480F-AF22-BDAF143176FB}"/>
+              </a:ext>
+            </a:extLst>
+          </p:cNvPr>
+          <p:cNvGraphicFramePr>
+            <a:graphicFrameLocks noGrp="1"/>
+          </p:cNvGraphicFramePr>
+          <p:nvPr>
+            <p:ph idx="1"/>
+            <p:extLst>
+              <p:ext uri="{D42A27DB-BD31-4B8C-83A1-F6EECF244321}">
+                <p14:modId xmlns:p14="http://schemas.microsoft.com/office/powerpoint/2010/main" val="3850586103"/>
+              </p:ext>
+            </p:extLst>
+          </p:nvPr>
+        </p:nvGraphicFramePr>
+        <p:xfrm>
+          <a:off x="1371600" y="1589087"/>
+          <a:ext cx="9102436" cy="4408831"/>
+        </p:xfrm>
+        <a:graphic>
+          <a:graphicData uri="http://schemas.openxmlformats.org/drawingml/2006/table">
+            <a:tbl>
+              <a:tblPr firstRow="1" bandRow="1">
+                <a:tableStyleId>{5C22544A-7EE6-4342-B048-85BDC9FD1C3A}</a:tableStyleId>
+              </a:tblPr>
+              <a:tblGrid>
+                <a:gridCol w="2275609">
+                  <a:extLst>
+                    <a:ext uri="{9D8B030D-6E8A-4147-A177-3AD203B41FA5}">
+                      <a16:colId xmlns:a16="http://schemas.microsoft.com/office/drawing/2014/main" val="2391234524"/>
+                    </a:ext>
+                  </a:extLst>
+                </a:gridCol>
+                <a:gridCol w="2275609">
+                  <a:extLst>
+                    <a:ext uri="{9D8B030D-6E8A-4147-A177-3AD203B41FA5}">
+                      <a16:colId xmlns:a16="http://schemas.microsoft.com/office/drawing/2014/main" val="3316275134"/>
+                    </a:ext>
+                  </a:extLst>
+                </a:gridCol>
+                <a:gridCol w="2275609">
+                  <a:extLst>
+                    <a:ext uri="{9D8B030D-6E8A-4147-A177-3AD203B41FA5}">
+                      <a16:colId xmlns:a16="http://schemas.microsoft.com/office/drawing/2014/main" val="3125384954"/>
+                    </a:ext>
+                  </a:extLst>
+                </a:gridCol>
+                <a:gridCol w="2275609">
+                  <a:extLst>
+                    <a:ext uri="{9D8B030D-6E8A-4147-A177-3AD203B41FA5}">
+                      <a16:colId xmlns:a16="http://schemas.microsoft.com/office/drawing/2014/main" val="2522657074"/>
+                    </a:ext>
+                  </a:extLst>
+                </a:gridCol>
+              </a:tblGrid>
+              <a:tr h="629833">
+                <a:tc>
+                  <a:txBody>
+                    <a:bodyPr/>
+                    <a:lstStyle/>
+                    <a:p>
+                      <a:r>
+                        <a:rPr kumimoji="1" lang="ja-JP" altLang="en-US" dirty="0"/>
+                        <a:t>武器名</a:t>
+                      </a:r>
+                    </a:p>
+                  </a:txBody>
+                  <a:tcPr/>
+                </a:tc>
+                <a:tc>
+                  <a:txBody>
+                    <a:bodyPr/>
+                    <a:lstStyle/>
+                    <a:p>
+                      <a:r>
+                        <a:rPr kumimoji="1" lang="ja-JP" altLang="en-US" dirty="0"/>
+                        <a:t>攻撃速度</a:t>
+                      </a:r>
+                    </a:p>
+                  </a:txBody>
+                  <a:tcPr/>
+                </a:tc>
+                <a:tc>
+                  <a:txBody>
+                    <a:bodyPr/>
+                    <a:lstStyle/>
+                    <a:p>
+                      <a:r>
+                        <a:rPr kumimoji="1" lang="ja-JP" altLang="en-US" dirty="0"/>
+                        <a:t>リーチ</a:t>
+                      </a:r>
+                    </a:p>
+                  </a:txBody>
+                  <a:tcPr/>
+                </a:tc>
+                <a:tc>
+                  <a:txBody>
+                    <a:bodyPr/>
+                    <a:lstStyle/>
+                    <a:p>
+                      <a:r>
+                        <a:rPr kumimoji="1" lang="ja-JP" altLang="en-US" dirty="0"/>
+                        <a:t>攻撃力</a:t>
+                      </a:r>
+                    </a:p>
+                  </a:txBody>
+                  <a:tcPr/>
+                </a:tc>
+                <a:extLst>
+                  <a:ext uri="{0D108BD9-81ED-4DB2-BD59-A6C34878D82A}">
+                    <a16:rowId xmlns:a16="http://schemas.microsoft.com/office/drawing/2014/main" val="1298294152"/>
+                  </a:ext>
+                </a:extLst>
+              </a:tr>
+              <a:tr h="629833">
+                <a:tc>
+                  <a:txBody>
+                    <a:bodyPr/>
+                    <a:lstStyle/>
+                    <a:p>
+                      <a:r>
+                        <a:rPr kumimoji="1" lang="ja-JP" altLang="en-US" dirty="0"/>
+                        <a:t>剣</a:t>
+                      </a:r>
+                    </a:p>
+                  </a:txBody>
+                  <a:tcPr/>
+                </a:tc>
+                <a:tc>
+                  <a:txBody>
+                    <a:bodyPr/>
+                    <a:lstStyle/>
+                    <a:p>
+                      <a:r>
+                        <a:rPr kumimoji="1" lang="ja-JP" altLang="en-US" dirty="0"/>
+                        <a:t>０．５秒</a:t>
+                      </a:r>
+                    </a:p>
+                  </a:txBody>
+                  <a:tcPr/>
+                </a:tc>
+                <a:tc>
+                  <a:txBody>
+                    <a:bodyPr/>
+                    <a:lstStyle/>
+                    <a:p>
+                      <a:endParaRPr kumimoji="1" lang="ja-JP" altLang="en-US" dirty="0"/>
+                    </a:p>
+                  </a:txBody>
+                  <a:tcPr/>
+                </a:tc>
+                <a:tc>
+                  <a:txBody>
+                    <a:bodyPr/>
+                    <a:lstStyle/>
+                    <a:p>
+                      <a:r>
+                        <a:rPr kumimoji="1" lang="ja-JP" altLang="en-US" dirty="0"/>
+                        <a:t>１５</a:t>
+                      </a:r>
+                    </a:p>
+                  </a:txBody>
+                  <a:tcPr/>
+                </a:tc>
+                <a:extLst>
+                  <a:ext uri="{0D108BD9-81ED-4DB2-BD59-A6C34878D82A}">
+                    <a16:rowId xmlns:a16="http://schemas.microsoft.com/office/drawing/2014/main" val="84555964"/>
+                  </a:ext>
+                </a:extLst>
+              </a:tr>
+              <a:tr h="629833">
+                <a:tc>
+                  <a:txBody>
+                    <a:bodyPr/>
+                    <a:lstStyle/>
+                    <a:p>
+                      <a:r>
+                        <a:rPr kumimoji="1" lang="ja-JP" altLang="en-US" dirty="0"/>
+                        <a:t>ナックル</a:t>
+                      </a:r>
+                    </a:p>
+                  </a:txBody>
+                  <a:tcPr/>
+                </a:tc>
+                <a:tc>
+                  <a:txBody>
+                    <a:bodyPr/>
+                    <a:lstStyle/>
+                    <a:p>
+                      <a:r>
+                        <a:rPr kumimoji="1" lang="ja-JP" altLang="en-US" dirty="0"/>
+                        <a:t>０．２５秒</a:t>
+                      </a:r>
+                    </a:p>
+                  </a:txBody>
+                  <a:tcPr/>
+                </a:tc>
+                <a:tc>
+                  <a:txBody>
+                    <a:bodyPr/>
+                    <a:lstStyle/>
+                    <a:p>
+                      <a:endParaRPr kumimoji="1" lang="ja-JP" altLang="en-US"/>
+                    </a:p>
+                  </a:txBody>
+                  <a:tcPr/>
+                </a:tc>
+                <a:tc>
+                  <a:txBody>
+                    <a:bodyPr/>
+                    <a:lstStyle/>
+                    <a:p>
+                      <a:r>
+                        <a:rPr kumimoji="1" lang="ja-JP" altLang="en-US" dirty="0"/>
+                        <a:t>３０</a:t>
+                      </a:r>
+                    </a:p>
+                  </a:txBody>
+                  <a:tcPr/>
+                </a:tc>
+                <a:extLst>
+                  <a:ext uri="{0D108BD9-81ED-4DB2-BD59-A6C34878D82A}">
+                    <a16:rowId xmlns:a16="http://schemas.microsoft.com/office/drawing/2014/main" val="1673986777"/>
+                  </a:ext>
+                </a:extLst>
+              </a:tr>
+              <a:tr h="629833">
+                <a:tc>
+                  <a:txBody>
+                    <a:bodyPr/>
+                    <a:lstStyle/>
+                    <a:p>
+                      <a:r>
+                        <a:rPr kumimoji="1" lang="ja-JP" altLang="en-US" dirty="0"/>
+                        <a:t>ハンマー</a:t>
+                      </a:r>
+                    </a:p>
+                  </a:txBody>
+                  <a:tcPr/>
+                </a:tc>
+                <a:tc>
+                  <a:txBody>
+                    <a:bodyPr/>
+                    <a:lstStyle/>
+                    <a:p>
+                      <a:r>
+                        <a:rPr kumimoji="1" lang="ja-JP" altLang="en-US" dirty="0"/>
+                        <a:t>０．７５秒</a:t>
+                      </a:r>
+                    </a:p>
+                  </a:txBody>
+                  <a:tcPr/>
+                </a:tc>
+                <a:tc>
+                  <a:txBody>
+                    <a:bodyPr/>
+                    <a:lstStyle/>
+                    <a:p>
+                      <a:endParaRPr kumimoji="1" lang="ja-JP" altLang="en-US" dirty="0"/>
+                    </a:p>
+                  </a:txBody>
+                  <a:tcPr>
+                    <a:lnB w="12700" cmpd="sng">
+                      <a:noFill/>
+                    </a:lnB>
+                  </a:tcPr>
+                </a:tc>
+                <a:tc>
+                  <a:txBody>
+                    <a:bodyPr/>
+                    <a:lstStyle/>
+                    <a:p>
+                      <a:r>
+                        <a:rPr kumimoji="1" lang="ja-JP" altLang="en-US" dirty="0"/>
+                        <a:t>４５</a:t>
+                      </a:r>
+                    </a:p>
+                  </a:txBody>
+                  <a:tcPr/>
+                </a:tc>
+                <a:extLst>
+                  <a:ext uri="{0D108BD9-81ED-4DB2-BD59-A6C34878D82A}">
+                    <a16:rowId xmlns:a16="http://schemas.microsoft.com/office/drawing/2014/main" val="1287960800"/>
+                  </a:ext>
+                </a:extLst>
+              </a:tr>
+              <a:tr h="629833">
+                <a:tc>
+                  <a:txBody>
+                    <a:bodyPr/>
+                    <a:lstStyle/>
+                    <a:p>
+                      <a:r>
+                        <a:rPr kumimoji="1" lang="ja-JP" altLang="en-US" dirty="0"/>
+                        <a:t>マシンガン</a:t>
+                      </a:r>
+                    </a:p>
+                  </a:txBody>
+                  <a:tcPr/>
+                </a:tc>
+                <a:tc>
+                  <a:txBody>
+                    <a:bodyPr/>
+                    <a:lstStyle/>
+                    <a:p>
+                      <a:endParaRPr kumimoji="1" lang="ja-JP" altLang="en-US" dirty="0"/>
+                    </a:p>
+                  </a:txBody>
+                  <a:tcPr>
+                    <a:lnR w="12700" cmpd="sng">
+                      <a:noFill/>
+                    </a:lnR>
+                  </a:tcPr>
+                </a:tc>
+                <a:tc>
+                  <a:txBody>
+                    <a:bodyPr/>
+                    <a:lstStyle/>
+                    <a:p>
+                      <a:endParaRPr kumimoji="1" lang="ja-JP" altLang="en-US" dirty="0"/>
+                    </a:p>
+                  </a:txBody>
+                  <a:tcPr>
+                    <a:lnL w="12700" cmpd="sng">
+                      <a:noFill/>
+                    </a:lnL>
+                    <a:lnR w="12700" cmpd="sng">
+                      <a:noFill/>
+                    </a:lnR>
+                    <a:lnT w="12700" cmpd="sng">
+                      <a:noFill/>
+                    </a:lnT>
+                    <a:lnB w="12700" cmpd="sng">
+                      <a:noFill/>
+                    </a:lnB>
+                    <a:lnTlToBr w="12700" cap="flat" cmpd="sng" algn="ctr">
+                      <a:solidFill>
+                        <a:schemeClr val="tx1"/>
+                      </a:solidFill>
+                      <a:prstDash val="solid"/>
+                      <a:round/>
+                      <a:headEnd type="none" w="med" len="med"/>
+                      <a:tailEnd type="none" w="med" len="med"/>
+                    </a:lnTlToBr>
+                    <a:lnBlToTr w="12700" cmpd="sng">
+                      <a:noFill/>
+                      <a:prstDash val="solid"/>
+                    </a:lnBlToTr>
+                  </a:tcPr>
+                </a:tc>
+                <a:tc>
+                  <a:txBody>
+                    <a:bodyPr/>
+                    <a:lstStyle/>
+                    <a:p>
+                      <a:r>
+                        <a:rPr kumimoji="1" lang="ja-JP" altLang="en-US" dirty="0"/>
+                        <a:t>３</a:t>
+                      </a:r>
+                    </a:p>
+                  </a:txBody>
+                  <a:tcPr>
+                    <a:lnL w="12700" cmpd="sng">
+                      <a:noFill/>
+                    </a:lnL>
+                  </a:tcPr>
+                </a:tc>
+                <a:extLst>
+                  <a:ext uri="{0D108BD9-81ED-4DB2-BD59-A6C34878D82A}">
+                    <a16:rowId xmlns:a16="http://schemas.microsoft.com/office/drawing/2014/main" val="3459060620"/>
+                  </a:ext>
+                </a:extLst>
+              </a:tr>
+              <a:tr h="629833">
+                <a:tc>
+                  <a:txBody>
+                    <a:bodyPr/>
+                    <a:lstStyle/>
+                    <a:p>
+                      <a:r>
+                        <a:rPr kumimoji="1" lang="ja-JP" altLang="en-US" dirty="0"/>
+                        <a:t>レーザー</a:t>
+                      </a:r>
+                    </a:p>
+                  </a:txBody>
+                  <a:tcPr/>
+                </a:tc>
+                <a:tc>
+                  <a:txBody>
+                    <a:bodyPr/>
+                    <a:lstStyle/>
+                    <a:p>
+                      <a:r>
+                        <a:rPr kumimoji="1" lang="ja-JP" altLang="en-US" dirty="0"/>
+                        <a:t>溜め時間が０．５秒</a:t>
+                      </a:r>
+                    </a:p>
+                  </a:txBody>
+                  <a:tcPr>
+                    <a:lnR w="12700" cmpd="sng">
+                      <a:noFill/>
+                    </a:lnR>
+                  </a:tcPr>
+                </a:tc>
+                <a:tc>
+                  <a:txBody>
+                    <a:bodyPr/>
+                    <a:lstStyle/>
+                    <a:p>
+                      <a:endParaRPr kumimoji="1" lang="ja-JP" altLang="en-US" dirty="0"/>
+                    </a:p>
+                  </a:txBody>
+                  <a:tcPr>
+                    <a:lnL w="12700" cmpd="sng">
+                      <a:noFill/>
+                    </a:lnL>
+                    <a:lnR w="12700" cmpd="sng">
+                      <a:noFill/>
+                    </a:lnR>
+                    <a:lnT w="12700" cmpd="sng">
+                      <a:noFill/>
+                    </a:lnT>
+                    <a:lnB w="12700" cmpd="sng">
+                      <a:noFill/>
+                    </a:lnB>
+                    <a:lnTlToBr w="12700" cap="flat" cmpd="sng" algn="ctr">
+                      <a:solidFill>
+                        <a:schemeClr val="tx1"/>
+                      </a:solidFill>
+                      <a:prstDash val="solid"/>
+                      <a:round/>
+                      <a:headEnd type="none" w="med" len="med"/>
+                      <a:tailEnd type="none" w="med" len="med"/>
+                    </a:lnTlToBr>
+                    <a:lnBlToTr w="12700" cmpd="sng">
+                      <a:noFill/>
+                      <a:prstDash val="solid"/>
+                    </a:lnBlToTr>
+                  </a:tcPr>
+                </a:tc>
+                <a:tc>
+                  <a:txBody>
+                    <a:bodyPr/>
+                    <a:lstStyle/>
+                    <a:p>
+                      <a:r>
+                        <a:rPr kumimoji="1" lang="ja-JP" altLang="en-US" dirty="0"/>
+                        <a:t>２０</a:t>
+                      </a:r>
+                    </a:p>
+                  </a:txBody>
+                  <a:tcPr>
+                    <a:lnL w="12700" cmpd="sng">
+                      <a:noFill/>
+                    </a:lnL>
+                  </a:tcPr>
+                </a:tc>
+                <a:extLst>
+                  <a:ext uri="{0D108BD9-81ED-4DB2-BD59-A6C34878D82A}">
+                    <a16:rowId xmlns:a16="http://schemas.microsoft.com/office/drawing/2014/main" val="1477389796"/>
+                  </a:ext>
+                </a:extLst>
+              </a:tr>
+              <a:tr h="629833">
+                <a:tc>
+                  <a:txBody>
+                    <a:bodyPr/>
+                    <a:lstStyle/>
+                    <a:p>
+                      <a:r>
+                        <a:rPr kumimoji="1" lang="ja-JP" altLang="en-US" dirty="0"/>
+                        <a:t>ロケット弾</a:t>
+                      </a:r>
+                    </a:p>
+                  </a:txBody>
+                  <a:tcPr/>
+                </a:tc>
+                <a:tc>
+                  <a:txBody>
+                    <a:bodyPr/>
+                    <a:lstStyle/>
+                    <a:p>
+                      <a:endParaRPr kumimoji="1" lang="ja-JP" altLang="en-US" dirty="0"/>
+                    </a:p>
+                  </a:txBody>
+                  <a:tcPr>
+                    <a:lnR w="12700" cmpd="sng">
+                      <a:noFill/>
+                    </a:lnR>
+                  </a:tcPr>
+                </a:tc>
+                <a:tc>
+                  <a:txBody>
+                    <a:bodyPr/>
+                    <a:lstStyle/>
+                    <a:p>
+                      <a:endParaRPr kumimoji="1" lang="ja-JP" altLang="en-US" dirty="0"/>
+                    </a:p>
+                  </a:txBody>
+                  <a:tcPr>
+                    <a:lnL w="12700" cmpd="sng">
+                      <a:noFill/>
+                    </a:lnL>
+                    <a:lnR w="12700" cmpd="sng">
+                      <a:noFill/>
+                    </a:lnR>
+                    <a:lnT w="12700" cmpd="sng">
+                      <a:noFill/>
+                    </a:lnT>
+                    <a:lnB w="12700" cmpd="sng">
+                      <a:noFill/>
+                    </a:lnB>
+                    <a:lnTlToBr w="12700" cap="flat" cmpd="sng" algn="ctr">
+                      <a:solidFill>
+                        <a:schemeClr val="tx1"/>
+                      </a:solidFill>
+                      <a:prstDash val="solid"/>
+                      <a:round/>
+                      <a:headEnd type="none" w="med" len="med"/>
+                      <a:tailEnd type="none" w="med" len="med"/>
+                    </a:lnTlToBr>
+                    <a:lnBlToTr w="12700" cmpd="sng">
+                      <a:noFill/>
+                      <a:prstDash val="solid"/>
+                    </a:lnBlToTr>
+                  </a:tcPr>
+                </a:tc>
+                <a:tc>
+                  <a:txBody>
+                    <a:bodyPr/>
+                    <a:lstStyle/>
+                    <a:p>
+                      <a:r>
+                        <a:rPr kumimoji="1" lang="ja-JP" altLang="en-US" dirty="0"/>
+                        <a:t>３５</a:t>
+                      </a:r>
+                    </a:p>
+                  </a:txBody>
+                  <a:tcPr>
+                    <a:lnL w="12700" cmpd="sng">
+                      <a:noFill/>
+                    </a:lnL>
+                  </a:tcPr>
+                </a:tc>
+                <a:extLst>
+                  <a:ext uri="{0D108BD9-81ED-4DB2-BD59-A6C34878D82A}">
+                    <a16:rowId xmlns:a16="http://schemas.microsoft.com/office/drawing/2014/main" val="4103831254"/>
+                  </a:ext>
+                </a:extLst>
+              </a:tr>
+            </a:tbl>
+          </a:graphicData>
+        </a:graphic>
+      </p:graphicFrame>
+    </p:spTree>
+    <p:extLst>
+      <p:ext uri="{BB962C8B-B14F-4D97-AF65-F5344CB8AC3E}">
+        <p14:creationId xmlns:p14="http://schemas.microsoft.com/office/powerpoint/2010/main" val="1883878606"/>
+      </p:ext>
+    </p:extLst>
+  </p:cSld>
+  <p:clrMapOvr>
+    <a:masterClrMapping/>
+  </p:clrMapOvr>
+</p:sld>
+</file>
+
+<file path=ppt/slides/slide13.xml><?xml version="1.0" encoding="utf-8"?>
+<p:sld xmlns:a="http://schemas.openxmlformats.org/drawingml/2006/main" xmlns:r="http://schemas.openxmlformats.org/officeDocument/2006/relationships" xmlns:p="http://schemas.openxmlformats.org/presentationml/2006/main">
+  <p:cSld>
+    <p:spTree>
+      <p:nvGrpSpPr>
+        <p:cNvPr id="1" name=""/>
+        <p:cNvGrpSpPr/>
+        <p:nvPr/>
+      </p:nvGrpSpPr>
+      <p:grpSpPr>
+        <a:xfrm>
+          <a:off x="0" y="0"/>
+          <a:ext cx="0" cy="0"/>
+          <a:chOff x="0" y="0"/>
+          <a:chExt cx="0" cy="0"/>
+        </a:xfrm>
+      </p:grpSpPr>
+      <p:sp>
+        <p:nvSpPr>
+          <p:cNvPr id="2" name="タイトル 1">
+            <a:extLst>
+              <a:ext uri="{FF2B5EF4-FFF2-40B4-BE49-F238E27FC236}">
                 <a16:creationId xmlns:a16="http://schemas.microsoft.com/office/drawing/2014/main" id="{3E7EF5E9-A20A-45A2-A1A1-F214B66ADBBB}"/>
               </a:ext>
             </a:extLst>
@@ -4507,7 +5437,7 @@
             </a:br>
             <a:r>
               <a:rPr lang="ja-JP" altLang="en-US" dirty="0"/>
-              <a:t>　　近接特化、射撃特化、バランスの３種類のキャラクターをつくる</a:t>
+              <a:t>　　近接特化、射撃特化、バランスの３種類のキャラクターをつくり</a:t>
             </a:r>
             <a:endParaRPr lang="en-US" altLang="ja-JP" dirty="0"/>
           </a:p>
@@ -4516,20 +5446,24 @@
               <a:buNone/>
             </a:pPr>
             <a:r>
+              <a:rPr lang="ja-JP" altLang="en-US" dirty="0"/>
+              <a:t>　　　　</a:t>
+            </a:r>
+            <a:r>
               <a:rPr lang="en-US" altLang="ja-JP" dirty="0"/>
-              <a:t>              </a:t>
+              <a:t>1P</a:t>
             </a:r>
             <a:r>
               <a:rPr lang="ja-JP" altLang="en-US" dirty="0"/>
-              <a:t>それぞれ</a:t>
+              <a:t>と</a:t>
             </a:r>
             <a:r>
               <a:rPr lang="en-US" altLang="ja-JP" dirty="0"/>
-              <a:t>2</a:t>
+              <a:t>2P</a:t>
             </a:r>
             <a:r>
               <a:rPr lang="ja-JP" altLang="en-US" dirty="0"/>
-              <a:t>キャラつくる</a:t>
+              <a:t>が同じキャラを選んだ場合色違いにする</a:t>
             </a:r>
             <a:endParaRPr lang="en-US" altLang="ja-JP" dirty="0"/>
           </a:p>
@@ -4664,7 +5598,7 @@
 </p:sld>
 </file>
 
-<file path=ppt/slides/slide12.xml><?xml version="1.0" encoding="utf-8"?>
+<file path=ppt/slides/slide14.xml><?xml version="1.0" encoding="utf-8"?>
 <p:sld xmlns:a="http://schemas.openxmlformats.org/drawingml/2006/main" xmlns:r="http://schemas.openxmlformats.org/officeDocument/2006/relationships" xmlns:p="http://schemas.openxmlformats.org/presentationml/2006/main">
   <p:cSld>
     <p:spTree>
@@ -5933,7 +6867,14 @@
           <a:p>
             <a:r>
               <a:rPr kumimoji="1" lang="ja-JP" altLang="en-US" dirty="0"/>
-              <a:t>子機と射撃を使うとこのゲージが徐々に外側に減っていく</a:t>
+              <a:t>子機と射撃を使うと</a:t>
+            </a:r>
+            <a:endParaRPr kumimoji="1" lang="en-US" altLang="ja-JP" dirty="0"/>
+          </a:p>
+          <a:p>
+            <a:r>
+              <a:rPr kumimoji="1" lang="ja-JP" altLang="en-US" dirty="0"/>
+              <a:t>このゲージが徐々に外側に減っていく</a:t>
             </a:r>
           </a:p>
         </p:txBody>
@@ -6046,6 +6987,102 @@
           </a:p>
         </p:txBody>
       </p:sp>
+      <p:cxnSp>
+        <p:nvCxnSpPr>
+          <p:cNvPr id="22" name="直線コネクタ 21">
+            <a:extLst>
+              <a:ext uri="{FF2B5EF4-FFF2-40B4-BE49-F238E27FC236}">
+                <a16:creationId xmlns:a16="http://schemas.microsoft.com/office/drawing/2014/main" id="{8591E6F8-B937-4119-8FAF-35DCEC803B0B}"/>
+              </a:ext>
+            </a:extLst>
+          </p:cNvPr>
+          <p:cNvCxnSpPr>
+            <a:cxnSpLocks/>
+          </p:cNvCxnSpPr>
+          <p:nvPr/>
+        </p:nvCxnSpPr>
+        <p:spPr>
+          <a:xfrm>
+            <a:off x="4073093" y="4232198"/>
+            <a:ext cx="3500725" cy="1940002"/>
+          </a:xfrm>
+          <a:prstGeom prst="line">
+            <a:avLst/>
+          </a:prstGeom>
+        </p:spPr>
+        <p:style>
+          <a:lnRef idx="1">
+            <a:schemeClr val="accent1"/>
+          </a:lnRef>
+          <a:fillRef idx="0">
+            <a:schemeClr val="accent1"/>
+          </a:fillRef>
+          <a:effectRef idx="0">
+            <a:schemeClr val="accent1"/>
+          </a:effectRef>
+          <a:fontRef idx="minor">
+            <a:schemeClr val="tx1"/>
+          </a:fontRef>
+        </p:style>
+      </p:cxnSp>
+      <p:sp>
+        <p:nvSpPr>
+          <p:cNvPr id="14" name="テキスト ボックス 13">
+            <a:extLst>
+              <a:ext uri="{FF2B5EF4-FFF2-40B4-BE49-F238E27FC236}">
+                <a16:creationId xmlns:a16="http://schemas.microsoft.com/office/drawing/2014/main" id="{34ACD145-B0B6-48B8-8465-99A8B8C42BD3}"/>
+              </a:ext>
+            </a:extLst>
+          </p:cNvPr>
+          <p:cNvSpPr txBox="1"/>
+          <p:nvPr/>
+        </p:nvSpPr>
+        <p:spPr>
+          <a:xfrm>
+            <a:off x="7645940" y="5948072"/>
+            <a:ext cx="4290239" cy="923330"/>
+          </a:xfrm>
+          <a:prstGeom prst="rect">
+            <a:avLst/>
+          </a:prstGeom>
+          <a:noFill/>
+        </p:spPr>
+        <p:txBody>
+          <a:bodyPr wrap="square" rtlCol="0">
+            <a:spAutoFit/>
+          </a:bodyPr>
+          <a:lstStyle/>
+          <a:p>
+            <a:r>
+              <a:rPr kumimoji="1" lang="ja-JP" altLang="en-US" dirty="0"/>
+              <a:t>試合時間がおわったタイミングで</a:t>
+            </a:r>
+            <a:r>
+              <a:rPr kumimoji="1" lang="en-US" altLang="ja-JP" dirty="0"/>
+              <a:t>TIMEUP</a:t>
+            </a:r>
+            <a:r>
+              <a:rPr kumimoji="1" lang="ja-JP" altLang="en-US" dirty="0"/>
+              <a:t>を表示</a:t>
+            </a:r>
+            <a:endParaRPr kumimoji="1" lang="en-US" altLang="ja-JP" dirty="0"/>
+          </a:p>
+          <a:p>
+            <a:r>
+              <a:rPr kumimoji="1" lang="ja-JP" altLang="en-US" dirty="0"/>
+              <a:t>勝敗がついたタイミングで</a:t>
+            </a:r>
+            <a:r>
+              <a:rPr kumimoji="1" lang="en-US" altLang="ja-JP" dirty="0"/>
+              <a:t>FINISH</a:t>
+            </a:r>
+            <a:r>
+              <a:rPr kumimoji="1" lang="ja-JP" altLang="en-US" dirty="0"/>
+              <a:t>を表示</a:t>
+            </a:r>
+          </a:p>
+        </p:txBody>
+      </p:sp>
     </p:spTree>
     <p:extLst>
       <p:ext uri="{BB962C8B-B14F-4D97-AF65-F5344CB8AC3E}">
@@ -6059,7 +7096,7 @@
 </p:sld>
 </file>
 
-<file path=ppt/slides/slide13.xml><?xml version="1.0" encoding="utf-8"?>
+<file path=ppt/slides/slide15.xml><?xml version="1.0" encoding="utf-8"?>
 <p:sld xmlns:a="http://schemas.openxmlformats.org/drawingml/2006/main" xmlns:r="http://schemas.openxmlformats.org/officeDocument/2006/relationships" xmlns:p="http://schemas.openxmlformats.org/presentationml/2006/main">
   <p:cSld>
     <p:spTree>
@@ -7112,7 +8149,7 @@
 </p:sld>
 </file>
 
-<file path=ppt/slides/slide14.xml><?xml version="1.0" encoding="utf-8"?>
+<file path=ppt/slides/slide16.xml><?xml version="1.0" encoding="utf-8"?>
 <p:sld xmlns:a="http://schemas.openxmlformats.org/drawingml/2006/main" xmlns:r="http://schemas.openxmlformats.org/officeDocument/2006/relationships" xmlns:p="http://schemas.openxmlformats.org/presentationml/2006/main">
   <p:cSld>
     <p:spTree>
@@ -7238,7 +8275,7 @@
 </p:sld>
 </file>
 
-<file path=ppt/slides/slide15.xml><?xml version="1.0" encoding="utf-8"?>
+<file path=ppt/slides/slide17.xml><?xml version="1.0" encoding="utf-8"?>
 <p:sld xmlns:a="http://schemas.openxmlformats.org/drawingml/2006/main" xmlns:r="http://schemas.openxmlformats.org/officeDocument/2006/relationships" xmlns:p="http://schemas.openxmlformats.org/presentationml/2006/main">
   <p:cSld>
     <p:spTree>
@@ -7315,10 +8352,6 @@
               <a:rPr lang="ja-JP" altLang="en-US" dirty="0"/>
               <a:t>勝利者の機体を表示</a:t>
             </a:r>
-            <a:r>
-              <a:rPr kumimoji="1" lang="ja-JP" altLang="en-US" dirty="0"/>
-              <a:t>を表示</a:t>
-            </a:r>
             <a:endParaRPr kumimoji="1" lang="en-US" altLang="ja-JP" dirty="0"/>
           </a:p>
           <a:p>
@@ -7860,7 +8893,7 @@
 </p:sld>
 </file>
 
-<file path=ppt/slides/slide16.xml><?xml version="1.0" encoding="utf-8"?>
+<file path=ppt/slides/slide18.xml><?xml version="1.0" encoding="utf-8"?>
 <p:sld xmlns:a="http://schemas.openxmlformats.org/drawingml/2006/main" xmlns:r="http://schemas.openxmlformats.org/officeDocument/2006/relationships" xmlns:p="http://schemas.openxmlformats.org/presentationml/2006/main">
   <p:cSld>
     <p:spTree>
@@ -8532,7 +9565,7 @@
 </p:sld>
 </file>
 
-<file path=ppt/slides/slide17.xml><?xml version="1.0" encoding="utf-8"?>
+<file path=ppt/slides/slide19.xml><?xml version="1.0" encoding="utf-8"?>
 <p:sld xmlns:a="http://schemas.openxmlformats.org/drawingml/2006/main" xmlns:r="http://schemas.openxmlformats.org/officeDocument/2006/relationships" xmlns:p="http://schemas.openxmlformats.org/presentationml/2006/main">
   <p:cSld>
     <p:spTree>
@@ -9096,7 +10129,193 @@
 </p:sld>
 </file>
 
-<file path=ppt/slides/slide18.xml><?xml version="1.0" encoding="utf-8"?>
+<file path=ppt/slides/slide2.xml><?xml version="1.0" encoding="utf-8"?>
+<p:sld xmlns:a="http://schemas.openxmlformats.org/drawingml/2006/main" xmlns:r="http://schemas.openxmlformats.org/officeDocument/2006/relationships" xmlns:p="http://schemas.openxmlformats.org/presentationml/2006/main">
+  <p:cSld>
+    <p:spTree>
+      <p:nvGrpSpPr>
+        <p:cNvPr id="1" name=""/>
+        <p:cNvGrpSpPr/>
+        <p:nvPr/>
+      </p:nvGrpSpPr>
+      <p:grpSpPr>
+        <a:xfrm>
+          <a:off x="0" y="0"/>
+          <a:ext cx="0" cy="0"/>
+          <a:chOff x="0" y="0"/>
+          <a:chExt cx="0" cy="0"/>
+        </a:xfrm>
+      </p:grpSpPr>
+      <p:sp>
+        <p:nvSpPr>
+          <p:cNvPr id="2" name="タイトル 1">
+            <a:extLst>
+              <a:ext uri="{FF2B5EF4-FFF2-40B4-BE49-F238E27FC236}">
+                <a16:creationId xmlns:a16="http://schemas.microsoft.com/office/drawing/2014/main" id="{320588C7-D31A-4958-B332-BBC895B5DD5F}"/>
+              </a:ext>
+            </a:extLst>
+          </p:cNvPr>
+          <p:cNvSpPr>
+            <a:spLocks noGrp="1"/>
+          </p:cNvSpPr>
+          <p:nvPr>
+            <p:ph type="title"/>
+          </p:nvPr>
+        </p:nvSpPr>
+        <p:spPr>
+          <a:xfrm>
+            <a:off x="1371600" y="685800"/>
+            <a:ext cx="9601200" cy="879764"/>
+          </a:xfrm>
+        </p:spPr>
+        <p:txBody>
+          <a:bodyPr/>
+          <a:lstStyle/>
+          <a:p>
+            <a:r>
+              <a:rPr kumimoji="1" lang="ja-JP" altLang="en-US" dirty="0"/>
+              <a:t>ゲーム概要</a:t>
+            </a:r>
+          </a:p>
+        </p:txBody>
+      </p:sp>
+      <p:sp>
+        <p:nvSpPr>
+          <p:cNvPr id="3" name="コンテンツ プレースホルダー 2">
+            <a:extLst>
+              <a:ext uri="{FF2B5EF4-FFF2-40B4-BE49-F238E27FC236}">
+                <a16:creationId xmlns:a16="http://schemas.microsoft.com/office/drawing/2014/main" id="{CE0E2E3C-9A4E-4B7E-8CAC-11E625DA4EB0}"/>
+              </a:ext>
+            </a:extLst>
+          </p:cNvPr>
+          <p:cNvSpPr>
+            <a:spLocks noGrp="1"/>
+          </p:cNvSpPr>
+          <p:nvPr>
+            <p:ph idx="1"/>
+          </p:nvPr>
+        </p:nvSpPr>
+        <p:spPr>
+          <a:xfrm>
+            <a:off x="1371600" y="1565564"/>
+            <a:ext cx="9601200" cy="4301836"/>
+          </a:xfrm>
+        </p:spPr>
+        <p:txBody>
+          <a:bodyPr>
+            <a:normAutofit lnSpcReduction="10000"/>
+          </a:bodyPr>
+          <a:lstStyle/>
+          <a:p>
+            <a:r>
+              <a:rPr lang="ja-JP" altLang="en-US" sz="2800" dirty="0"/>
+              <a:t>ターゲット層：</a:t>
+            </a:r>
+            <a:r>
+              <a:rPr lang="en-US" altLang="ja-JP" sz="2800" dirty="0"/>
+              <a:t>10</a:t>
+            </a:r>
+            <a:r>
+              <a:rPr lang="ja-JP" altLang="en-US" sz="2800" dirty="0"/>
+              <a:t>代後半　高校生男性</a:t>
+            </a:r>
+          </a:p>
+          <a:p>
+            <a:r>
+              <a:rPr lang="ja-JP" altLang="en-US" sz="2800" dirty="0"/>
+              <a:t>　　　　理由：高度な駆け引きを対戦で発揮して</a:t>
+            </a:r>
+            <a:r>
+              <a:rPr lang="ja-JP" altLang="en-US" sz="2800" dirty="0" err="1"/>
+              <a:t>ほ</a:t>
+            </a:r>
+            <a:r>
+              <a:rPr lang="ja-JP" altLang="en-US" sz="2800" dirty="0"/>
+              <a:t>　　　　　　　　　　</a:t>
+            </a:r>
+            <a:r>
+              <a:rPr lang="en-US" altLang="ja-JP" sz="2800" dirty="0"/>
+              <a:t>		</a:t>
+            </a:r>
+            <a:r>
+              <a:rPr lang="ja-JP" altLang="en-US" sz="2800" dirty="0"/>
+              <a:t>　　　しいから</a:t>
+            </a:r>
+            <a:endParaRPr lang="en-US" altLang="ja-JP" sz="2800" dirty="0"/>
+          </a:p>
+          <a:p>
+            <a:pPr marL="0" indent="0">
+              <a:buNone/>
+            </a:pPr>
+            <a:r>
+              <a:rPr lang="ja-JP" altLang="en-US" sz="2800" dirty="0"/>
+              <a:t>		　　　あつまりやすい</a:t>
+            </a:r>
+          </a:p>
+          <a:p>
+            <a:r>
+              <a:rPr lang="ja-JP" altLang="en-US" sz="2800" dirty="0"/>
+              <a:t>		売り：高度な駆け引き</a:t>
+            </a:r>
+            <a:endParaRPr lang="en-US" altLang="ja-JP" sz="2800" dirty="0"/>
+          </a:p>
+          <a:p>
+            <a:r>
+              <a:rPr lang="ja-JP" altLang="en-US" sz="2800" dirty="0"/>
+              <a:t>　　　　　　　普通の格ゲーとは違う浮遊しながらの戦　　　　　　　　　　</a:t>
+            </a:r>
+            <a:r>
+              <a:rPr lang="en-US" altLang="ja-JP" sz="2800" dirty="0"/>
+              <a:t>			</a:t>
+            </a:r>
+            <a:r>
+              <a:rPr lang="ja-JP" altLang="en-US" sz="2800" dirty="0"/>
+              <a:t>い</a:t>
+            </a:r>
+          </a:p>
+          <a:p>
+            <a:r>
+              <a:rPr lang="ja-JP" altLang="en-US" sz="2800" dirty="0"/>
+              <a:t>　　　ハード：</a:t>
+            </a:r>
+            <a:r>
+              <a:rPr lang="en-US" altLang="ja-JP" sz="2800" dirty="0"/>
+              <a:t>PC</a:t>
+            </a:r>
+            <a:r>
+              <a:rPr lang="ja-JP" altLang="en-US" sz="2800" dirty="0"/>
+              <a:t>　</a:t>
+            </a:r>
+            <a:endParaRPr lang="en-US" altLang="ja-JP" sz="2800" dirty="0"/>
+          </a:p>
+          <a:p>
+            <a:r>
+              <a:rPr lang="ja-JP" altLang="en-US" sz="2800" dirty="0"/>
+              <a:t>　　ジャンル：格闘ゲーム</a:t>
+            </a:r>
+          </a:p>
+          <a:p>
+            <a:pPr marL="0" indent="0">
+              <a:buNone/>
+            </a:pPr>
+            <a:endParaRPr kumimoji="1" lang="ja-JP" altLang="en-US" dirty="0"/>
+          </a:p>
+        </p:txBody>
+      </p:sp>
+    </p:spTree>
+    <p:extLst>
+      <p:ext uri="{BB962C8B-B14F-4D97-AF65-F5344CB8AC3E}">
+        <p14:creationId xmlns:p14="http://schemas.microsoft.com/office/powerpoint/2010/main" val="1993269264"/>
+      </p:ext>
+    </p:extLst>
+  </p:cSld>
+  <p:clrMapOvr>
+    <a:masterClrMapping/>
+  </p:clrMapOvr>
+</p:sld>
+</file>
+
+<file path=ppt/slides/slide20.xml><?xml version="1.0" encoding="utf-8"?>
 <p:sld xmlns:a="http://schemas.openxmlformats.org/drawingml/2006/main" xmlns:r="http://schemas.openxmlformats.org/officeDocument/2006/relationships" xmlns:p="http://schemas.openxmlformats.org/presentationml/2006/main">
   <p:cSld>
     <p:spTree>
@@ -9977,7 +11196,7 @@
 </p:sld>
 </file>
 
-<file path=ppt/slides/slide19.xml><?xml version="1.0" encoding="utf-8"?>
+<file path=ppt/slides/slide21.xml><?xml version="1.0" encoding="utf-8"?>
 <p:sld xmlns:a="http://schemas.openxmlformats.org/drawingml/2006/main" xmlns:r="http://schemas.openxmlformats.org/officeDocument/2006/relationships" xmlns:p="http://schemas.openxmlformats.org/presentationml/2006/main">
   <p:cSld>
     <p:spTree>
@@ -10976,7 +12195,7 @@
 </p:sld>
 </file>
 
-<file path=ppt/slides/slide2.xml><?xml version="1.0" encoding="utf-8"?>
+<file path=ppt/slides/slide3.xml><?xml version="1.0" encoding="utf-8"?>
 <p:sld xmlns:a="http://schemas.openxmlformats.org/drawingml/2006/main" xmlns:r="http://schemas.openxmlformats.org/officeDocument/2006/relationships" xmlns:p="http://schemas.openxmlformats.org/presentationml/2006/main">
   <p:cSld>
     <p:spTree>
@@ -11851,196 +13070,328 @@
           </a:fontRef>
         </p:style>
       </p:cxnSp>
+      <p:sp>
+        <p:nvSpPr>
+          <p:cNvPr id="22" name="楕円 21">
+            <a:extLst>
+              <a:ext uri="{FF2B5EF4-FFF2-40B4-BE49-F238E27FC236}">
+                <a16:creationId xmlns:a16="http://schemas.microsoft.com/office/drawing/2014/main" id="{3713B420-4AF8-4FE8-A5AA-1E083C2B6286}"/>
+              </a:ext>
+            </a:extLst>
+          </p:cNvPr>
+          <p:cNvSpPr/>
+          <p:nvPr/>
+        </p:nvSpPr>
+        <p:spPr>
+          <a:xfrm>
+            <a:off x="6386102" y="1188348"/>
+            <a:ext cx="993431" cy="775231"/>
+          </a:xfrm>
+          <a:prstGeom prst="ellipse">
+            <a:avLst/>
+          </a:prstGeom>
+          <a:solidFill>
+            <a:srgbClr val="FF0000"/>
+          </a:solidFill>
+        </p:spPr>
+        <p:style>
+          <a:lnRef idx="2">
+            <a:schemeClr val="accent1">
+              <a:shade val="50000"/>
+            </a:schemeClr>
+          </a:lnRef>
+          <a:fillRef idx="1">
+            <a:schemeClr val="accent1"/>
+          </a:fillRef>
+          <a:effectRef idx="0">
+            <a:schemeClr val="accent1"/>
+          </a:effectRef>
+          <a:fontRef idx="minor">
+            <a:schemeClr val="lt1"/>
+          </a:fontRef>
+        </p:style>
+        <p:txBody>
+          <a:bodyPr rtlCol="0" anchor="ctr"/>
+          <a:lstStyle/>
+          <a:p>
+            <a:pPr algn="ctr"/>
+            <a:r>
+              <a:rPr kumimoji="1" lang="ja-JP" altLang="en-US" dirty="0"/>
+              <a:t>必須</a:t>
+            </a:r>
+          </a:p>
+        </p:txBody>
+      </p:sp>
+      <p:sp>
+        <p:nvSpPr>
+          <p:cNvPr id="24" name="楕円 23">
+            <a:extLst>
+              <a:ext uri="{FF2B5EF4-FFF2-40B4-BE49-F238E27FC236}">
+                <a16:creationId xmlns:a16="http://schemas.microsoft.com/office/drawing/2014/main" id="{AF88C704-8DCD-4331-A8EA-70A51FF7BCB8}"/>
+              </a:ext>
+            </a:extLst>
+          </p:cNvPr>
+          <p:cNvSpPr/>
+          <p:nvPr/>
+        </p:nvSpPr>
+        <p:spPr>
+          <a:xfrm>
+            <a:off x="6785007" y="2188419"/>
+            <a:ext cx="993431" cy="775231"/>
+          </a:xfrm>
+          <a:prstGeom prst="ellipse">
+            <a:avLst/>
+          </a:prstGeom>
+          <a:solidFill>
+            <a:srgbClr val="FF0000"/>
+          </a:solidFill>
+        </p:spPr>
+        <p:style>
+          <a:lnRef idx="2">
+            <a:schemeClr val="accent1">
+              <a:shade val="50000"/>
+            </a:schemeClr>
+          </a:lnRef>
+          <a:fillRef idx="1">
+            <a:schemeClr val="accent1"/>
+          </a:fillRef>
+          <a:effectRef idx="0">
+            <a:schemeClr val="accent1"/>
+          </a:effectRef>
+          <a:fontRef idx="minor">
+            <a:schemeClr val="lt1"/>
+          </a:fontRef>
+        </p:style>
+        <p:txBody>
+          <a:bodyPr rtlCol="0" anchor="ctr"/>
+          <a:lstStyle/>
+          <a:p>
+            <a:pPr algn="ctr"/>
+            <a:r>
+              <a:rPr kumimoji="1" lang="ja-JP" altLang="en-US" dirty="0"/>
+              <a:t>必須</a:t>
+            </a:r>
+            <a:endParaRPr kumimoji="1" lang="en-US" altLang="ja-JP" dirty="0"/>
+          </a:p>
+          <a:p>
+            <a:pPr algn="ctr"/>
+            <a:r>
+              <a:rPr kumimoji="1" lang="en-US" altLang="ja-JP" dirty="0"/>
+              <a:t>2</a:t>
+            </a:r>
+            <a:r>
+              <a:rPr kumimoji="1" lang="ja-JP" altLang="en-US" dirty="0"/>
+              <a:t>種類</a:t>
+            </a:r>
+          </a:p>
+        </p:txBody>
+      </p:sp>
+      <p:sp>
+        <p:nvSpPr>
+          <p:cNvPr id="25" name="楕円 24">
+            <a:extLst>
+              <a:ext uri="{FF2B5EF4-FFF2-40B4-BE49-F238E27FC236}">
+                <a16:creationId xmlns:a16="http://schemas.microsoft.com/office/drawing/2014/main" id="{57BC2E5A-8B65-40AE-A97B-B13091829780}"/>
+              </a:ext>
+            </a:extLst>
+          </p:cNvPr>
+          <p:cNvSpPr/>
+          <p:nvPr/>
+        </p:nvSpPr>
+        <p:spPr>
+          <a:xfrm>
+            <a:off x="6261406" y="4164309"/>
+            <a:ext cx="993431" cy="775231"/>
+          </a:xfrm>
+          <a:prstGeom prst="ellipse">
+            <a:avLst/>
+          </a:prstGeom>
+          <a:solidFill>
+            <a:srgbClr val="FF0000"/>
+          </a:solidFill>
+        </p:spPr>
+        <p:style>
+          <a:lnRef idx="2">
+            <a:schemeClr val="accent1">
+              <a:shade val="50000"/>
+            </a:schemeClr>
+          </a:lnRef>
+          <a:fillRef idx="1">
+            <a:schemeClr val="accent1"/>
+          </a:fillRef>
+          <a:effectRef idx="0">
+            <a:schemeClr val="accent1"/>
+          </a:effectRef>
+          <a:fontRef idx="minor">
+            <a:schemeClr val="lt1"/>
+          </a:fontRef>
+        </p:style>
+        <p:txBody>
+          <a:bodyPr rtlCol="0" anchor="ctr"/>
+          <a:lstStyle/>
+          <a:p>
+            <a:pPr algn="ctr"/>
+            <a:r>
+              <a:rPr kumimoji="1" lang="ja-JP" altLang="en-US" dirty="0"/>
+              <a:t>必須</a:t>
+            </a:r>
+          </a:p>
+        </p:txBody>
+      </p:sp>
+      <p:sp>
+        <p:nvSpPr>
+          <p:cNvPr id="26" name="楕円 25">
+            <a:extLst>
+              <a:ext uri="{FF2B5EF4-FFF2-40B4-BE49-F238E27FC236}">
+                <a16:creationId xmlns:a16="http://schemas.microsoft.com/office/drawing/2014/main" id="{924677FA-C9A7-49EE-999C-15DAE5B06618}"/>
+              </a:ext>
+            </a:extLst>
+          </p:cNvPr>
+          <p:cNvSpPr/>
+          <p:nvPr/>
+        </p:nvSpPr>
+        <p:spPr>
+          <a:xfrm>
+            <a:off x="6096000" y="6070781"/>
+            <a:ext cx="993431" cy="775231"/>
+          </a:xfrm>
+          <a:prstGeom prst="ellipse">
+            <a:avLst/>
+          </a:prstGeom>
+          <a:solidFill>
+            <a:srgbClr val="FF0000"/>
+          </a:solidFill>
+        </p:spPr>
+        <p:style>
+          <a:lnRef idx="2">
+            <a:schemeClr val="accent1">
+              <a:shade val="50000"/>
+            </a:schemeClr>
+          </a:lnRef>
+          <a:fillRef idx="1">
+            <a:schemeClr val="accent1"/>
+          </a:fillRef>
+          <a:effectRef idx="0">
+            <a:schemeClr val="accent1"/>
+          </a:effectRef>
+          <a:fontRef idx="minor">
+            <a:schemeClr val="lt1"/>
+          </a:fontRef>
+        </p:style>
+        <p:txBody>
+          <a:bodyPr rtlCol="0" anchor="ctr"/>
+          <a:lstStyle/>
+          <a:p>
+            <a:pPr algn="ctr"/>
+            <a:r>
+              <a:rPr kumimoji="1" lang="ja-JP" altLang="en-US" dirty="0"/>
+              <a:t>必須</a:t>
+            </a:r>
+          </a:p>
+        </p:txBody>
+      </p:sp>
+      <p:sp>
+        <p:nvSpPr>
+          <p:cNvPr id="33" name="楕円 32">
+            <a:extLst>
+              <a:ext uri="{FF2B5EF4-FFF2-40B4-BE49-F238E27FC236}">
+                <a16:creationId xmlns:a16="http://schemas.microsoft.com/office/drawing/2014/main" id="{49AD5DC1-45C3-4317-834A-200A0AF9C403}"/>
+              </a:ext>
+            </a:extLst>
+          </p:cNvPr>
+          <p:cNvSpPr/>
+          <p:nvPr/>
+        </p:nvSpPr>
+        <p:spPr>
+          <a:xfrm>
+            <a:off x="7125091" y="3119120"/>
+            <a:ext cx="993431" cy="775231"/>
+          </a:xfrm>
+          <a:prstGeom prst="ellipse">
+            <a:avLst/>
+          </a:prstGeom>
+          <a:solidFill>
+            <a:srgbClr val="FFC000"/>
+          </a:solidFill>
+        </p:spPr>
+        <p:style>
+          <a:lnRef idx="2">
+            <a:schemeClr val="accent1">
+              <a:shade val="50000"/>
+            </a:schemeClr>
+          </a:lnRef>
+          <a:fillRef idx="1">
+            <a:schemeClr val="accent1"/>
+          </a:fillRef>
+          <a:effectRef idx="0">
+            <a:schemeClr val="accent1"/>
+          </a:effectRef>
+          <a:fontRef idx="minor">
+            <a:schemeClr val="lt1"/>
+          </a:fontRef>
+        </p:style>
+        <p:txBody>
+          <a:bodyPr rtlCol="0" anchor="ctr"/>
+          <a:lstStyle/>
+          <a:p>
+            <a:pPr algn="ctr"/>
+            <a:endParaRPr kumimoji="1" lang="ja-JP" altLang="en-US" dirty="0"/>
+          </a:p>
+        </p:txBody>
+      </p:sp>
+      <p:sp>
+        <p:nvSpPr>
+          <p:cNvPr id="34" name="楕円 33">
+            <a:extLst>
+              <a:ext uri="{FF2B5EF4-FFF2-40B4-BE49-F238E27FC236}">
+                <a16:creationId xmlns:a16="http://schemas.microsoft.com/office/drawing/2014/main" id="{7E7B52A0-F289-49EA-B852-811639586080}"/>
+              </a:ext>
+            </a:extLst>
+          </p:cNvPr>
+          <p:cNvSpPr/>
+          <p:nvPr/>
+        </p:nvSpPr>
+        <p:spPr>
+          <a:xfrm>
+            <a:off x="7784850" y="5203797"/>
+            <a:ext cx="993431" cy="775231"/>
+          </a:xfrm>
+          <a:prstGeom prst="ellipse">
+            <a:avLst/>
+          </a:prstGeom>
+          <a:solidFill>
+            <a:srgbClr val="92D050"/>
+          </a:solidFill>
+        </p:spPr>
+        <p:style>
+          <a:lnRef idx="2">
+            <a:schemeClr val="accent1">
+              <a:shade val="50000"/>
+            </a:schemeClr>
+          </a:lnRef>
+          <a:fillRef idx="1">
+            <a:schemeClr val="accent1"/>
+          </a:fillRef>
+          <a:effectRef idx="0">
+            <a:schemeClr val="accent1"/>
+          </a:effectRef>
+          <a:fontRef idx="minor">
+            <a:schemeClr val="lt1"/>
+          </a:fontRef>
+        </p:style>
+        <p:txBody>
+          <a:bodyPr rtlCol="0" anchor="ctr"/>
+          <a:lstStyle/>
+          <a:p>
+            <a:pPr algn="ctr"/>
+            <a:endParaRPr kumimoji="1" lang="ja-JP" altLang="en-US" dirty="0"/>
+          </a:p>
+        </p:txBody>
+      </p:sp>
     </p:spTree>
     <p:extLst>
       <p:ext uri="{BB962C8B-B14F-4D97-AF65-F5344CB8AC3E}">
         <p14:creationId xmlns:p14="http://schemas.microsoft.com/office/powerpoint/2010/main" val="503012491"/>
-      </p:ext>
-    </p:extLst>
-  </p:cSld>
-  <p:clrMapOvr>
-    <a:masterClrMapping/>
-  </p:clrMapOvr>
-</p:sld>
-</file>
-
-<file path=ppt/slides/slide3.xml><?xml version="1.0" encoding="utf-8"?>
-<p:sld xmlns:a="http://schemas.openxmlformats.org/drawingml/2006/main" xmlns:r="http://schemas.openxmlformats.org/officeDocument/2006/relationships" xmlns:p="http://schemas.openxmlformats.org/presentationml/2006/main">
-  <p:cSld>
-    <p:spTree>
-      <p:nvGrpSpPr>
-        <p:cNvPr id="1" name=""/>
-        <p:cNvGrpSpPr/>
-        <p:nvPr/>
-      </p:nvGrpSpPr>
-      <p:grpSpPr>
-        <a:xfrm>
-          <a:off x="0" y="0"/>
-          <a:ext cx="0" cy="0"/>
-          <a:chOff x="0" y="0"/>
-          <a:chExt cx="0" cy="0"/>
-        </a:xfrm>
-      </p:grpSpPr>
-      <p:sp>
-        <p:nvSpPr>
-          <p:cNvPr id="2" name="タイトル 1">
-            <a:extLst>
-              <a:ext uri="{FF2B5EF4-FFF2-40B4-BE49-F238E27FC236}">
-                <a16:creationId xmlns:a16="http://schemas.microsoft.com/office/drawing/2014/main" id="{320588C7-D31A-4958-B332-BBC895B5DD5F}"/>
-              </a:ext>
-            </a:extLst>
-          </p:cNvPr>
-          <p:cNvSpPr>
-            <a:spLocks noGrp="1"/>
-          </p:cNvSpPr>
-          <p:nvPr>
-            <p:ph type="title"/>
-          </p:nvPr>
-        </p:nvSpPr>
-        <p:spPr>
-          <a:xfrm>
-            <a:off x="1371600" y="685800"/>
-            <a:ext cx="9601200" cy="879764"/>
-          </a:xfrm>
-        </p:spPr>
-        <p:txBody>
-          <a:bodyPr/>
-          <a:lstStyle/>
-          <a:p>
-            <a:r>
-              <a:rPr kumimoji="1" lang="ja-JP" altLang="en-US" dirty="0"/>
-              <a:t>ゲーム概要</a:t>
-            </a:r>
-          </a:p>
-        </p:txBody>
-      </p:sp>
-      <p:sp>
-        <p:nvSpPr>
-          <p:cNvPr id="3" name="コンテンツ プレースホルダー 2">
-            <a:extLst>
-              <a:ext uri="{FF2B5EF4-FFF2-40B4-BE49-F238E27FC236}">
-                <a16:creationId xmlns:a16="http://schemas.microsoft.com/office/drawing/2014/main" id="{CE0E2E3C-9A4E-4B7E-8CAC-11E625DA4EB0}"/>
-              </a:ext>
-            </a:extLst>
-          </p:cNvPr>
-          <p:cNvSpPr>
-            <a:spLocks noGrp="1"/>
-          </p:cNvSpPr>
-          <p:nvPr>
-            <p:ph idx="1"/>
-          </p:nvPr>
-        </p:nvSpPr>
-        <p:spPr>
-          <a:xfrm>
-            <a:off x="1371600" y="1565564"/>
-            <a:ext cx="9601200" cy="4301836"/>
-          </a:xfrm>
-        </p:spPr>
-        <p:txBody>
-          <a:bodyPr>
-            <a:normAutofit lnSpcReduction="10000"/>
-          </a:bodyPr>
-          <a:lstStyle/>
-          <a:p>
-            <a:r>
-              <a:rPr lang="ja-JP" altLang="en-US" sz="2800" dirty="0"/>
-              <a:t>ターゲット層：</a:t>
-            </a:r>
-            <a:r>
-              <a:rPr lang="en-US" altLang="ja-JP" sz="2800" dirty="0"/>
-              <a:t>10</a:t>
-            </a:r>
-            <a:r>
-              <a:rPr lang="ja-JP" altLang="en-US" sz="2800" dirty="0"/>
-              <a:t>代後半　高校生男性</a:t>
-            </a:r>
-          </a:p>
-          <a:p>
-            <a:r>
-              <a:rPr lang="ja-JP" altLang="en-US" sz="2800" dirty="0"/>
-              <a:t>　　　　理由：高度な駆け引きを対戦で発揮して</a:t>
-            </a:r>
-            <a:r>
-              <a:rPr lang="ja-JP" altLang="en-US" sz="2800" dirty="0" err="1"/>
-              <a:t>ほ</a:t>
-            </a:r>
-            <a:r>
-              <a:rPr lang="ja-JP" altLang="en-US" sz="2800" dirty="0"/>
-              <a:t>　　　　　　　　　　</a:t>
-            </a:r>
-            <a:r>
-              <a:rPr lang="en-US" altLang="ja-JP" sz="2800" dirty="0"/>
-              <a:t>		</a:t>
-            </a:r>
-            <a:r>
-              <a:rPr lang="ja-JP" altLang="en-US" sz="2800" dirty="0"/>
-              <a:t>　　　しいから</a:t>
-            </a:r>
-            <a:endParaRPr lang="en-US" altLang="ja-JP" sz="2800" dirty="0"/>
-          </a:p>
-          <a:p>
-            <a:pPr marL="0" indent="0">
-              <a:buNone/>
-            </a:pPr>
-            <a:r>
-              <a:rPr lang="ja-JP" altLang="en-US" sz="2800" dirty="0"/>
-              <a:t>		　　　あつまりやすい</a:t>
-            </a:r>
-          </a:p>
-          <a:p>
-            <a:r>
-              <a:rPr lang="ja-JP" altLang="en-US" sz="2800" dirty="0"/>
-              <a:t>		売り：高度な駆け引き</a:t>
-            </a:r>
-            <a:endParaRPr lang="en-US" altLang="ja-JP" sz="2800" dirty="0"/>
-          </a:p>
-          <a:p>
-            <a:r>
-              <a:rPr lang="ja-JP" altLang="en-US" sz="2800" dirty="0"/>
-              <a:t>　　　　　　　普通の格ゲーとは違う浮遊しながらの戦　　　　　　　　　　</a:t>
-            </a:r>
-            <a:r>
-              <a:rPr lang="en-US" altLang="ja-JP" sz="2800" dirty="0"/>
-              <a:t>			</a:t>
-            </a:r>
-            <a:r>
-              <a:rPr lang="ja-JP" altLang="en-US" sz="2800" dirty="0"/>
-              <a:t>い</a:t>
-            </a:r>
-          </a:p>
-          <a:p>
-            <a:r>
-              <a:rPr lang="ja-JP" altLang="en-US" sz="2800" dirty="0"/>
-              <a:t>　　　ハード：</a:t>
-            </a:r>
-            <a:r>
-              <a:rPr lang="en-US" altLang="ja-JP" sz="2800" dirty="0"/>
-              <a:t>PC</a:t>
-            </a:r>
-            <a:r>
-              <a:rPr lang="ja-JP" altLang="en-US" sz="2800" dirty="0"/>
-              <a:t>　</a:t>
-            </a:r>
-            <a:endParaRPr lang="en-US" altLang="ja-JP" sz="2800" dirty="0"/>
-          </a:p>
-          <a:p>
-            <a:r>
-              <a:rPr lang="ja-JP" altLang="en-US" sz="2800" dirty="0"/>
-              <a:t>　　ジャンル：格闘ゲーム</a:t>
-            </a:r>
-          </a:p>
-          <a:p>
-            <a:pPr marL="0" indent="0">
-              <a:buNone/>
-            </a:pPr>
-            <a:endParaRPr kumimoji="1" lang="ja-JP" altLang="en-US" dirty="0"/>
-          </a:p>
-        </p:txBody>
-      </p:sp>
-    </p:spTree>
-    <p:extLst>
-      <p:ext uri="{BB962C8B-B14F-4D97-AF65-F5344CB8AC3E}">
-        <p14:creationId xmlns:p14="http://schemas.microsoft.com/office/powerpoint/2010/main" val="1993269264"/>
       </p:ext>
     </p:extLst>
   </p:cSld>
@@ -12719,12 +14070,8 @@
               <a:t>UFO</a:t>
             </a:r>
             <a:r>
-              <a:rPr kumimoji="1" lang="ja-JP" altLang="en-US" dirty="0"/>
-              <a:t>の</a:t>
-            </a:r>
-            <a:r>
               <a:rPr lang="ja-JP" altLang="en-US" dirty="0"/>
-              <a:t>装備</a:t>
+              <a:t>と装備</a:t>
             </a:r>
             <a:endParaRPr lang="en-US" altLang="ja-JP" dirty="0"/>
           </a:p>
@@ -12734,7 +14081,7 @@
             </a:pPr>
             <a:r>
               <a:rPr lang="ja-JP" altLang="en-US" dirty="0"/>
-              <a:t>　武器は接近武器と遠距離武器を選択する</a:t>
+              <a:t>　武器は近接武器と遠距離武器を選択する</a:t>
             </a:r>
             <a:endParaRPr lang="en-US" altLang="ja-JP" dirty="0"/>
           </a:p>
@@ -13453,132 +14800,6 @@
       </p:sp>
       <p:sp>
         <p:nvSpPr>
-          <p:cNvPr id="14" name="正方形/長方形 13">
-            <a:extLst>
-              <a:ext uri="{FF2B5EF4-FFF2-40B4-BE49-F238E27FC236}">
-                <a16:creationId xmlns:a16="http://schemas.microsoft.com/office/drawing/2014/main" id="{1762B87A-1E76-4512-B058-DEB8F377CBEA}"/>
-              </a:ext>
-            </a:extLst>
-          </p:cNvPr>
-          <p:cNvSpPr/>
-          <p:nvPr/>
-        </p:nvSpPr>
-        <p:spPr>
-          <a:xfrm>
-            <a:off x="1106905" y="4828674"/>
-            <a:ext cx="1973179" cy="481259"/>
-          </a:xfrm>
-          <a:prstGeom prst="rect">
-            <a:avLst/>
-          </a:prstGeom>
-          <a:solidFill>
-            <a:schemeClr val="accent1">
-              <a:lumMod val="40000"/>
-              <a:lumOff val="60000"/>
-            </a:schemeClr>
-          </a:solidFill>
-          <a:ln>
-            <a:solidFill>
-              <a:schemeClr val="accent1">
-                <a:lumMod val="40000"/>
-                <a:lumOff val="60000"/>
-              </a:schemeClr>
-            </a:solidFill>
-          </a:ln>
-        </p:spPr>
-        <p:style>
-          <a:lnRef idx="2">
-            <a:schemeClr val="accent1">
-              <a:shade val="50000"/>
-            </a:schemeClr>
-          </a:lnRef>
-          <a:fillRef idx="1">
-            <a:schemeClr val="accent1"/>
-          </a:fillRef>
-          <a:effectRef idx="0">
-            <a:schemeClr val="accent1"/>
-          </a:effectRef>
-          <a:fontRef idx="minor">
-            <a:schemeClr val="lt1"/>
-          </a:fontRef>
-        </p:style>
-        <p:txBody>
-          <a:bodyPr rtlCol="0" anchor="ctr"/>
-          <a:lstStyle/>
-          <a:p>
-            <a:pPr marL="0" marR="0" lvl="0" indent="0" algn="ctr" defTabSz="914400" rtl="0" eaLnBrk="1" fontAlgn="auto" latinLnBrk="0" hangingPunct="1">
-              <a:lnSpc>
-                <a:spcPct val="100000"/>
-              </a:lnSpc>
-              <a:spcBef>
-                <a:spcPts val="0"/>
-              </a:spcBef>
-              <a:spcAft>
-                <a:spcPts val="0"/>
-              </a:spcAft>
-              <a:buClrTx/>
-              <a:buSzTx/>
-              <a:buFontTx/>
-              <a:buNone/>
-              <a:tabLst/>
-              <a:defRPr/>
-            </a:pPr>
-            <a:r>
-              <a:rPr kumimoji="1" lang="ja-JP" altLang="en-US" sz="1800" b="0" i="0" u="none" strike="noStrike" kern="1200" cap="none" spc="0" normalizeH="0" baseline="0" noProof="0" dirty="0">
-                <a:ln>
-                  <a:noFill/>
-                </a:ln>
-                <a:solidFill>
-                  <a:prstClr val="white"/>
-                </a:solidFill>
-                <a:effectLst/>
-                <a:uLnTx/>
-                <a:uFillTx/>
-                <a:latin typeface="游ゴシック" panose="020F0502020204030204"/>
-                <a:ea typeface="游ゴシック" panose="020B0400000000000000" pitchFamily="50" charset="-128"/>
-                <a:cs typeface="+mn-cs"/>
-              </a:rPr>
-              <a:t>１</a:t>
-            </a:r>
-            <a:r>
-              <a:rPr kumimoji="1" lang="en-US" altLang="ja-JP" sz="1800" b="0" i="0" u="none" strike="noStrike" kern="1200" cap="none" spc="0" normalizeH="0" baseline="0" noProof="0" dirty="0">
-                <a:ln>
-                  <a:noFill/>
-                </a:ln>
-                <a:solidFill>
-                  <a:prstClr val="white"/>
-                </a:solidFill>
-                <a:effectLst/>
-                <a:uLnTx/>
-                <a:uFillTx/>
-                <a:latin typeface="游ゴシック" panose="020F0502020204030204"/>
-                <a:ea typeface="游ゴシック" panose="020B0400000000000000" pitchFamily="50" charset="-128"/>
-                <a:cs typeface="+mn-cs"/>
-              </a:rPr>
-              <a:t>P</a:t>
-            </a:r>
-            <a:r>
-              <a:rPr kumimoji="1" lang="ja-JP" altLang="en-US" sz="1800" b="0" i="0" u="none" strike="noStrike" kern="1200" cap="none" spc="0" normalizeH="0" baseline="0" noProof="0" dirty="0">
-                <a:ln>
-                  <a:noFill/>
-                </a:ln>
-                <a:solidFill>
-                  <a:prstClr val="white"/>
-                </a:solidFill>
-                <a:effectLst/>
-                <a:uLnTx/>
-                <a:uFillTx/>
-                <a:latin typeface="游ゴシック" panose="020F0502020204030204"/>
-                <a:ea typeface="游ゴシック" panose="020B0400000000000000" pitchFamily="50" charset="-128"/>
-                <a:cs typeface="+mn-cs"/>
-              </a:rPr>
-              <a:t>の武器選択</a:t>
-            </a:r>
-          </a:p>
-        </p:txBody>
-      </p:sp>
-      <p:sp>
-        <p:nvSpPr>
           <p:cNvPr id="15" name="正方形/長方形 14">
             <a:extLst>
               <a:ext uri="{FF2B5EF4-FFF2-40B4-BE49-F238E27FC236}">
@@ -13865,6 +15086,416 @@
               <a:rPr kumimoji="1" lang="ja-JP" altLang="en-US" dirty="0"/>
               <a:t>この場所で選んだキャラ選んだキャラを表示の部分で表示される</a:t>
             </a:r>
+          </a:p>
+        </p:txBody>
+      </p:sp>
+      <p:sp>
+        <p:nvSpPr>
+          <p:cNvPr id="18" name="楕円 17">
+            <a:extLst>
+              <a:ext uri="{FF2B5EF4-FFF2-40B4-BE49-F238E27FC236}">
+                <a16:creationId xmlns:a16="http://schemas.microsoft.com/office/drawing/2014/main" id="{C1F15D62-21A8-40A3-81D1-93D32805DB8B}"/>
+              </a:ext>
+            </a:extLst>
+          </p:cNvPr>
+          <p:cNvSpPr/>
+          <p:nvPr/>
+        </p:nvSpPr>
+        <p:spPr>
+          <a:xfrm>
+            <a:off x="8274108" y="7213333"/>
+            <a:ext cx="1001848" cy="859693"/>
+          </a:xfrm>
+          <a:prstGeom prst="ellipse">
+            <a:avLst/>
+          </a:prstGeom>
+          <a:solidFill>
+            <a:srgbClr val="FF0000"/>
+          </a:solidFill>
+        </p:spPr>
+        <p:style>
+          <a:lnRef idx="2">
+            <a:schemeClr val="accent1">
+              <a:shade val="50000"/>
+            </a:schemeClr>
+          </a:lnRef>
+          <a:fillRef idx="1">
+            <a:schemeClr val="accent1"/>
+          </a:fillRef>
+          <a:effectRef idx="0">
+            <a:schemeClr val="accent1"/>
+          </a:effectRef>
+          <a:fontRef idx="minor">
+            <a:schemeClr val="lt1"/>
+          </a:fontRef>
+        </p:style>
+        <p:txBody>
+          <a:bodyPr rtlCol="0" anchor="ctr"/>
+          <a:lstStyle/>
+          <a:p>
+            <a:pPr algn="ctr"/>
+            <a:endParaRPr kumimoji="1" lang="ja-JP" altLang="en-US"/>
+          </a:p>
+        </p:txBody>
+      </p:sp>
+      <p:sp>
+        <p:nvSpPr>
+          <p:cNvPr id="3" name="正方形/長方形 2">
+            <a:extLst>
+              <a:ext uri="{FF2B5EF4-FFF2-40B4-BE49-F238E27FC236}">
+                <a16:creationId xmlns:a16="http://schemas.microsoft.com/office/drawing/2014/main" id="{DB8A5058-0F70-49B6-97D2-9B1D5F105474}"/>
+              </a:ext>
+            </a:extLst>
+          </p:cNvPr>
+          <p:cNvSpPr/>
+          <p:nvPr/>
+        </p:nvSpPr>
+        <p:spPr>
+          <a:xfrm>
+            <a:off x="1985192" y="4310074"/>
+            <a:ext cx="824410" cy="545402"/>
+          </a:xfrm>
+          <a:prstGeom prst="rect">
+            <a:avLst/>
+          </a:prstGeom>
+        </p:spPr>
+        <p:style>
+          <a:lnRef idx="2">
+            <a:schemeClr val="accent1">
+              <a:shade val="50000"/>
+            </a:schemeClr>
+          </a:lnRef>
+          <a:fillRef idx="1">
+            <a:schemeClr val="accent1"/>
+          </a:fillRef>
+          <a:effectRef idx="0">
+            <a:schemeClr val="accent1"/>
+          </a:effectRef>
+          <a:fontRef idx="minor">
+            <a:schemeClr val="lt1"/>
+          </a:fontRef>
+        </p:style>
+        <p:txBody>
+          <a:bodyPr rtlCol="0" anchor="ctr"/>
+          <a:lstStyle/>
+          <a:p>
+            <a:pPr algn="ctr"/>
+            <a:endParaRPr kumimoji="1" lang="ja-JP" altLang="en-US"/>
+          </a:p>
+        </p:txBody>
+      </p:sp>
+      <p:sp>
+        <p:nvSpPr>
+          <p:cNvPr id="19" name="正方形/長方形 18">
+            <a:extLst>
+              <a:ext uri="{FF2B5EF4-FFF2-40B4-BE49-F238E27FC236}">
+                <a16:creationId xmlns:a16="http://schemas.microsoft.com/office/drawing/2014/main" id="{BE3D0DE0-8552-44F2-9561-7B4B839A668E}"/>
+              </a:ext>
+            </a:extLst>
+          </p:cNvPr>
+          <p:cNvSpPr/>
+          <p:nvPr/>
+        </p:nvSpPr>
+        <p:spPr>
+          <a:xfrm>
+            <a:off x="1983511" y="4828644"/>
+            <a:ext cx="824410" cy="545402"/>
+          </a:xfrm>
+          <a:prstGeom prst="rect">
+            <a:avLst/>
+          </a:prstGeom>
+        </p:spPr>
+        <p:style>
+          <a:lnRef idx="2">
+            <a:schemeClr val="accent1">
+              <a:shade val="50000"/>
+            </a:schemeClr>
+          </a:lnRef>
+          <a:fillRef idx="1">
+            <a:schemeClr val="accent1"/>
+          </a:fillRef>
+          <a:effectRef idx="0">
+            <a:schemeClr val="accent1"/>
+          </a:effectRef>
+          <a:fontRef idx="minor">
+            <a:schemeClr val="lt1"/>
+          </a:fontRef>
+        </p:style>
+        <p:txBody>
+          <a:bodyPr rtlCol="0" anchor="ctr"/>
+          <a:lstStyle/>
+          <a:p>
+            <a:pPr algn="ctr"/>
+            <a:endParaRPr kumimoji="1" lang="ja-JP" altLang="en-US"/>
+          </a:p>
+        </p:txBody>
+      </p:sp>
+      <p:sp>
+        <p:nvSpPr>
+          <p:cNvPr id="20" name="正方形/長方形 19">
+            <a:extLst>
+              <a:ext uri="{FF2B5EF4-FFF2-40B4-BE49-F238E27FC236}">
+                <a16:creationId xmlns:a16="http://schemas.microsoft.com/office/drawing/2014/main" id="{BD011D84-BDC8-43E4-97A8-2035D682D21E}"/>
+              </a:ext>
+            </a:extLst>
+          </p:cNvPr>
+          <p:cNvSpPr/>
+          <p:nvPr/>
+        </p:nvSpPr>
+        <p:spPr>
+          <a:xfrm>
+            <a:off x="1988485" y="3791504"/>
+            <a:ext cx="824410" cy="545402"/>
+          </a:xfrm>
+          <a:prstGeom prst="rect">
+            <a:avLst/>
+          </a:prstGeom>
+        </p:spPr>
+        <p:style>
+          <a:lnRef idx="2">
+            <a:schemeClr val="accent1">
+              <a:shade val="50000"/>
+            </a:schemeClr>
+          </a:lnRef>
+          <a:fillRef idx="1">
+            <a:schemeClr val="accent1"/>
+          </a:fillRef>
+          <a:effectRef idx="0">
+            <a:schemeClr val="accent1"/>
+          </a:effectRef>
+          <a:fontRef idx="minor">
+            <a:schemeClr val="lt1"/>
+          </a:fontRef>
+        </p:style>
+        <p:txBody>
+          <a:bodyPr rtlCol="0" anchor="ctr"/>
+          <a:lstStyle/>
+          <a:p>
+            <a:pPr algn="ctr"/>
+            <a:endParaRPr kumimoji="1" lang="ja-JP" altLang="en-US"/>
+          </a:p>
+        </p:txBody>
+      </p:sp>
+      <p:sp>
+        <p:nvSpPr>
+          <p:cNvPr id="21" name="正方形/長方形 20">
+            <a:extLst>
+              <a:ext uri="{FF2B5EF4-FFF2-40B4-BE49-F238E27FC236}">
+                <a16:creationId xmlns:a16="http://schemas.microsoft.com/office/drawing/2014/main" id="{528FDF03-0810-4632-96F6-9611DA3FA785}"/>
+              </a:ext>
+            </a:extLst>
+          </p:cNvPr>
+          <p:cNvSpPr/>
+          <p:nvPr/>
+        </p:nvSpPr>
+        <p:spPr>
+          <a:xfrm>
+            <a:off x="1185929" y="4828644"/>
+            <a:ext cx="824410" cy="545402"/>
+          </a:xfrm>
+          <a:prstGeom prst="rect">
+            <a:avLst/>
+          </a:prstGeom>
+        </p:spPr>
+        <p:style>
+          <a:lnRef idx="2">
+            <a:schemeClr val="accent1">
+              <a:shade val="50000"/>
+            </a:schemeClr>
+          </a:lnRef>
+          <a:fillRef idx="1">
+            <a:schemeClr val="accent1"/>
+          </a:fillRef>
+          <a:effectRef idx="0">
+            <a:schemeClr val="accent1"/>
+          </a:effectRef>
+          <a:fontRef idx="minor">
+            <a:schemeClr val="lt1"/>
+          </a:fontRef>
+        </p:style>
+        <p:txBody>
+          <a:bodyPr rtlCol="0" anchor="ctr"/>
+          <a:lstStyle/>
+          <a:p>
+            <a:pPr algn="ctr"/>
+            <a:endParaRPr kumimoji="1" lang="ja-JP" altLang="en-US"/>
+          </a:p>
+        </p:txBody>
+      </p:sp>
+      <p:cxnSp>
+        <p:nvCxnSpPr>
+          <p:cNvPr id="24" name="直線矢印コネクタ 23">
+            <a:extLst>
+              <a:ext uri="{FF2B5EF4-FFF2-40B4-BE49-F238E27FC236}">
+                <a16:creationId xmlns:a16="http://schemas.microsoft.com/office/drawing/2014/main" id="{6F4D25EE-E679-47F2-9CA4-985084559940}"/>
+              </a:ext>
+            </a:extLst>
+          </p:cNvPr>
+          <p:cNvCxnSpPr/>
+          <p:nvPr/>
+        </p:nvCxnSpPr>
+        <p:spPr>
+          <a:xfrm flipH="1" flipV="1">
+            <a:off x="2957804" y="5069274"/>
+            <a:ext cx="5817228" cy="678383"/>
+          </a:xfrm>
+          <a:prstGeom prst="straightConnector1">
+            <a:avLst/>
+          </a:prstGeom>
+          <a:ln>
+            <a:solidFill>
+              <a:schemeClr val="tx1"/>
+            </a:solidFill>
+            <a:tailEnd type="triangle"/>
+          </a:ln>
+        </p:spPr>
+        <p:style>
+          <a:lnRef idx="1">
+            <a:schemeClr val="accent1"/>
+          </a:lnRef>
+          <a:fillRef idx="0">
+            <a:schemeClr val="accent1"/>
+          </a:fillRef>
+          <a:effectRef idx="0">
+            <a:schemeClr val="accent1"/>
+          </a:effectRef>
+          <a:fontRef idx="minor">
+            <a:schemeClr val="tx1"/>
+          </a:fontRef>
+        </p:style>
+      </p:cxnSp>
+      <p:sp>
+        <p:nvSpPr>
+          <p:cNvPr id="25" name="テキスト ボックス 24">
+            <a:extLst>
+              <a:ext uri="{FF2B5EF4-FFF2-40B4-BE49-F238E27FC236}">
+                <a16:creationId xmlns:a16="http://schemas.microsoft.com/office/drawing/2014/main" id="{E01575B9-C854-4D14-AF42-D397E08EFA76}"/>
+              </a:ext>
+            </a:extLst>
+          </p:cNvPr>
+          <p:cNvSpPr txBox="1"/>
+          <p:nvPr/>
+        </p:nvSpPr>
+        <p:spPr>
+          <a:xfrm>
+            <a:off x="9113962" y="5155361"/>
+            <a:ext cx="2592368" cy="1200329"/>
+          </a:xfrm>
+          <a:prstGeom prst="rect">
+            <a:avLst/>
+          </a:prstGeom>
+          <a:noFill/>
+        </p:spPr>
+        <p:txBody>
+          <a:bodyPr wrap="square" rtlCol="0">
+            <a:spAutoFit/>
+          </a:bodyPr>
+          <a:lstStyle/>
+          <a:p>
+            <a:r>
+              <a:rPr kumimoji="1" lang="ja-JP" altLang="en-US" dirty="0"/>
+              <a:t>武器選択のボタンを押すと２</a:t>
+            </a:r>
+            <a:r>
+              <a:rPr kumimoji="1" lang="en-US" altLang="ja-JP" dirty="0"/>
+              <a:t>×</a:t>
+            </a:r>
+            <a:r>
+              <a:rPr kumimoji="1" lang="ja-JP" altLang="en-US" dirty="0"/>
+              <a:t>３の射撃と近接武器を表示させ選ばせる</a:t>
+            </a:r>
+          </a:p>
+        </p:txBody>
+      </p:sp>
+      <p:sp>
+        <p:nvSpPr>
+          <p:cNvPr id="26" name="正方形/長方形 25">
+            <a:extLst>
+              <a:ext uri="{FF2B5EF4-FFF2-40B4-BE49-F238E27FC236}">
+                <a16:creationId xmlns:a16="http://schemas.microsoft.com/office/drawing/2014/main" id="{29CFD6D7-556A-4830-AC88-AA1921C37A60}"/>
+              </a:ext>
+            </a:extLst>
+          </p:cNvPr>
+          <p:cNvSpPr/>
+          <p:nvPr/>
+        </p:nvSpPr>
+        <p:spPr>
+          <a:xfrm>
+            <a:off x="1185929" y="3792100"/>
+            <a:ext cx="824410" cy="545402"/>
+          </a:xfrm>
+          <a:prstGeom prst="rect">
+            <a:avLst/>
+          </a:prstGeom>
+        </p:spPr>
+        <p:style>
+          <a:lnRef idx="2">
+            <a:schemeClr val="accent1">
+              <a:shade val="50000"/>
+            </a:schemeClr>
+          </a:lnRef>
+          <a:fillRef idx="1">
+            <a:schemeClr val="accent1"/>
+          </a:fillRef>
+          <a:effectRef idx="0">
+            <a:schemeClr val="accent1"/>
+          </a:effectRef>
+          <a:fontRef idx="minor">
+            <a:schemeClr val="lt1"/>
+          </a:fontRef>
+        </p:style>
+        <p:txBody>
+          <a:bodyPr rtlCol="0" anchor="ctr"/>
+          <a:lstStyle/>
+          <a:p>
+            <a:pPr algn="ctr"/>
+            <a:endParaRPr kumimoji="1" lang="ja-JP" altLang="en-US"/>
+          </a:p>
+        </p:txBody>
+      </p:sp>
+      <p:sp>
+        <p:nvSpPr>
+          <p:cNvPr id="27" name="正方形/長方形 26">
+            <a:extLst>
+              <a:ext uri="{FF2B5EF4-FFF2-40B4-BE49-F238E27FC236}">
+                <a16:creationId xmlns:a16="http://schemas.microsoft.com/office/drawing/2014/main" id="{9416F6F0-7FFF-4676-9D34-0D9695AEB208}"/>
+              </a:ext>
+            </a:extLst>
+          </p:cNvPr>
+          <p:cNvSpPr/>
+          <p:nvPr/>
+        </p:nvSpPr>
+        <p:spPr>
+          <a:xfrm>
+            <a:off x="1184248" y="4310670"/>
+            <a:ext cx="824410" cy="545402"/>
+          </a:xfrm>
+          <a:prstGeom prst="rect">
+            <a:avLst/>
+          </a:prstGeom>
+        </p:spPr>
+        <p:style>
+          <a:lnRef idx="2">
+            <a:schemeClr val="accent1">
+              <a:shade val="50000"/>
+            </a:schemeClr>
+          </a:lnRef>
+          <a:fillRef idx="1">
+            <a:schemeClr val="accent1"/>
+          </a:fillRef>
+          <a:effectRef idx="0">
+            <a:schemeClr val="accent1"/>
+          </a:effectRef>
+          <a:fontRef idx="minor">
+            <a:schemeClr val="lt1"/>
+          </a:fontRef>
+        </p:style>
+        <p:txBody>
+          <a:bodyPr rtlCol="0" anchor="ctr"/>
+          <a:lstStyle/>
+          <a:p>
+            <a:pPr algn="ctr"/>
+            <a:endParaRPr kumimoji="1" lang="ja-JP" altLang="en-US"/>
           </a:p>
         </p:txBody>
       </p:sp>
@@ -13950,7 +15581,7 @@
         <p:spPr>
           <a:xfrm>
             <a:off x="1130440" y="1428750"/>
-            <a:ext cx="9601200" cy="1485900"/>
+            <a:ext cx="9601200" cy="1847754"/>
           </a:xfrm>
         </p:spPr>
         <p:txBody>
@@ -14052,6 +15683,40 @@
               </a:rPr>
               <a:t>ボタンでキャラ選択画面に戻る</a:t>
             </a:r>
+            <a:endParaRPr lang="en-US" altLang="ja-JP" dirty="0">
+              <a:solidFill>
+                <a:prstClr val="black"/>
+              </a:solidFill>
+              <a:latin typeface="游ゴシック" panose="020F0502020204030204"/>
+              <a:ea typeface="游ゴシック" panose="020B0400000000000000" pitchFamily="50" charset="-128"/>
+            </a:endParaRPr>
+          </a:p>
+          <a:p>
+            <a:pPr marL="0" indent="0">
+              <a:buNone/>
+            </a:pPr>
+            <a:r>
+              <a:rPr lang="ja-JP" altLang="en-US" dirty="0">
+                <a:solidFill>
+                  <a:prstClr val="black"/>
+                </a:solidFill>
+                <a:latin typeface="游ゴシック" panose="020F0502020204030204"/>
+                <a:ea typeface="游ゴシック" panose="020B0400000000000000" pitchFamily="50" charset="-128"/>
+              </a:rPr>
+              <a:t>キャラ選択をしてない状態に戻る</a:t>
+            </a:r>
+            <a:endParaRPr lang="en-US" altLang="ja-JP" dirty="0">
+              <a:solidFill>
+                <a:prstClr val="black"/>
+              </a:solidFill>
+              <a:latin typeface="游ゴシック" panose="020F0502020204030204"/>
+              <a:ea typeface="游ゴシック" panose="020B0400000000000000" pitchFamily="50" charset="-128"/>
+            </a:endParaRPr>
+          </a:p>
+          <a:p>
+            <a:pPr marL="0" indent="0">
+              <a:buNone/>
+            </a:pPr>
             <a:endParaRPr lang="en-US" altLang="ja-JP" dirty="0"/>
           </a:p>
           <a:p>
@@ -14091,8 +15756,8 @@
         </p:nvSpPr>
         <p:spPr>
           <a:xfrm>
-            <a:off x="888800" y="2859481"/>
-            <a:ext cx="6091989" cy="3891965"/>
+            <a:off x="901276" y="3531636"/>
+            <a:ext cx="5760781" cy="3261049"/>
           </a:xfrm>
           <a:prstGeom prst="rect">
             <a:avLst/>
@@ -14174,7 +15839,7 @@
         </p:nvSpPr>
         <p:spPr>
           <a:xfrm>
-            <a:off x="1197390" y="3263566"/>
+            <a:off x="1181650" y="3706350"/>
             <a:ext cx="2261937" cy="1325563"/>
           </a:xfrm>
           <a:prstGeom prst="rect">
@@ -14249,7 +15914,7 @@
         </p:nvSpPr>
         <p:spPr>
           <a:xfrm>
-            <a:off x="4068925" y="3263566"/>
+            <a:off x="4068925" y="3689346"/>
             <a:ext cx="2261937" cy="1359569"/>
           </a:xfrm>
           <a:prstGeom prst="rect">
@@ -14324,7 +15989,7 @@
         </p:nvSpPr>
         <p:spPr>
           <a:xfrm>
-            <a:off x="1197389" y="4830804"/>
+            <a:off x="1181649" y="5273588"/>
             <a:ext cx="2261937" cy="1325563"/>
           </a:xfrm>
           <a:prstGeom prst="rect">
@@ -14399,7 +16064,7 @@
         </p:nvSpPr>
         <p:spPr>
           <a:xfrm>
-            <a:off x="4068925" y="4830803"/>
+            <a:off x="4071409" y="5273588"/>
             <a:ext cx="2261937" cy="1325563"/>
           </a:xfrm>
           <a:prstGeom prst="rect">
@@ -14474,7 +16139,7 @@
         </p:nvSpPr>
         <p:spPr>
           <a:xfrm>
-            <a:off x="7137274" y="3870064"/>
+            <a:off x="7137274" y="4185704"/>
             <a:ext cx="5054726" cy="646331"/>
           </a:xfrm>
           <a:prstGeom prst="rect">
@@ -14512,8 +16177,8 @@
         </p:nvSpPr>
         <p:spPr>
           <a:xfrm>
-            <a:off x="7655668" y="4805464"/>
-            <a:ext cx="4329246" cy="646331"/>
+            <a:off x="7674329" y="5053631"/>
+            <a:ext cx="4329246" cy="923330"/>
           </a:xfrm>
           <a:prstGeom prst="rect">
             <a:avLst/>
@@ -14528,15 +16193,7 @@
           <a:p>
             <a:r>
               <a:rPr kumimoji="1" lang="ja-JP" altLang="en-US" dirty="0"/>
-              <a:t>ステージを選択したら、</a:t>
-            </a:r>
-            <a:r>
-              <a:rPr kumimoji="1" lang="en-US" altLang="ja-JP" dirty="0"/>
-              <a:t>3</a:t>
-            </a:r>
-            <a:r>
-              <a:rPr kumimoji="1" lang="ja-JP" altLang="en-US" dirty="0"/>
-              <a:t>秒間ナウローディングに入り画面が黒くなる</a:t>
+              <a:t>ステージを選択したら、ロードする時間分ナウローディングに入り画面が黒くなる</a:t>
             </a:r>
           </a:p>
         </p:txBody>
@@ -14555,7 +16212,7 @@
         </p:nvSpPr>
         <p:spPr>
           <a:xfrm>
-            <a:off x="7986408" y="3088851"/>
+            <a:off x="8005069" y="3337018"/>
             <a:ext cx="3812579" cy="369332"/>
           </a:xfrm>
           <a:prstGeom prst="rect">
@@ -14841,7 +16498,7 @@
         </p:spPr>
         <p:txBody>
           <a:bodyPr>
-            <a:normAutofit lnSpcReduction="10000"/>
+            <a:normAutofit fontScale="92500" lnSpcReduction="20000"/>
           </a:bodyPr>
           <a:lstStyle/>
           <a:p>
@@ -14882,7 +16539,7 @@
             </a:pPr>
             <a:r>
               <a:rPr lang="ja-JP" altLang="en-US" dirty="0"/>
-              <a:t>　◯ボタンで近接武器</a:t>
+              <a:t>　◯ボタンで近接強攻撃</a:t>
             </a:r>
             <a:r>
               <a:rPr lang="en-US" altLang="ja-JP" dirty="0"/>
@@ -14894,11 +16551,19 @@
             </a:r>
             <a:r>
               <a:rPr lang="en-US" altLang="ja-JP" dirty="0"/>
+              <a:t>×</a:t>
+            </a:r>
+            <a:r>
+              <a:rPr lang="ja-JP" altLang="en-US" dirty="0"/>
+              <a:t>ボタンで近接弱攻撃</a:t>
+            </a:r>
+            <a:r>
+              <a:rPr lang="en-US" altLang="ja-JP" dirty="0"/>
               <a:t>	</a:t>
             </a:r>
             <a:r>
               <a:rPr lang="ja-JP" altLang="en-US" dirty="0"/>
-              <a:t>　□ボタン子機</a:t>
+              <a:t>　</a:t>
             </a:r>
             <a:endParaRPr lang="en-US" altLang="ja-JP" dirty="0"/>
           </a:p>
@@ -14908,31 +16573,7 @@
             </a:pPr>
             <a:r>
               <a:rPr lang="ja-JP" altLang="en-US" dirty="0"/>
-              <a:t>　△ボタンで遠距離武器</a:t>
-            </a:r>
-            <a:r>
-              <a:rPr lang="en-US" altLang="ja-JP" dirty="0"/>
-              <a:t>	</a:t>
-            </a:r>
-            <a:r>
-              <a:rPr lang="ja-JP" altLang="en-US" dirty="0"/>
-              <a:t>　</a:t>
-            </a:r>
-            <a:r>
-              <a:rPr lang="en-US" altLang="ja-JP" dirty="0"/>
-              <a:t>R2</a:t>
-            </a:r>
-            <a:r>
-              <a:rPr lang="ja-JP" altLang="en-US" dirty="0"/>
-              <a:t>で上に上昇</a:t>
-            </a:r>
-            <a:r>
-              <a:rPr lang="en-US" altLang="ja-JP" dirty="0"/>
-              <a:t>L</a:t>
-            </a:r>
-            <a:r>
-              <a:rPr lang="ja-JP" altLang="en-US" dirty="0"/>
-              <a:t>２で降下</a:t>
+              <a:t>　□ボタン子機</a:t>
             </a:r>
             <a:endParaRPr lang="en-US" altLang="ja-JP" dirty="0"/>
           </a:p>
@@ -14942,19 +16583,11 @@
             </a:pPr>
             <a:r>
               <a:rPr lang="ja-JP" altLang="en-US" dirty="0"/>
-              <a:t>　</a:t>
+              <a:t>　△ボタンで遠距離武器</a:t>
             </a:r>
             <a:r>
               <a:rPr lang="en-US" altLang="ja-JP" dirty="0"/>
-              <a:t>L1</a:t>
-            </a:r>
-            <a:r>
-              <a:rPr lang="ja-JP" altLang="en-US" dirty="0"/>
-              <a:t>でガード</a:t>
-            </a:r>
-            <a:r>
-              <a:rPr lang="en-US" altLang="ja-JP" dirty="0"/>
-              <a:t>		</a:t>
+              <a:t>	</a:t>
             </a:r>
             <a:r>
               <a:rPr lang="ja-JP" altLang="en-US" dirty="0"/>
@@ -14962,11 +16595,19 @@
             </a:r>
             <a:r>
               <a:rPr lang="en-US" altLang="ja-JP" dirty="0"/>
-              <a:t>	</a:t>
+              <a:t>R2</a:t>
             </a:r>
             <a:r>
               <a:rPr lang="ja-JP" altLang="en-US" dirty="0"/>
-              <a:t>　左スティックで移動</a:t>
+              <a:t>で上に上昇</a:t>
+            </a:r>
+            <a:r>
+              <a:rPr lang="en-US" altLang="ja-JP" dirty="0"/>
+              <a:t>L</a:t>
+            </a:r>
+            <a:r>
+              <a:rPr lang="ja-JP" altLang="en-US" dirty="0"/>
+              <a:t>２で降下</a:t>
             </a:r>
             <a:endParaRPr lang="en-US" altLang="ja-JP" dirty="0"/>
           </a:p>
@@ -14980,11 +16621,27 @@
             </a:r>
             <a:r>
               <a:rPr lang="en-US" altLang="ja-JP" dirty="0"/>
-              <a:t>option</a:t>
+              <a:t>L1</a:t>
             </a:r>
             <a:r>
               <a:rPr lang="ja-JP" altLang="en-US" dirty="0"/>
-              <a:t>ボタンでメニュー画面へ</a:t>
+              <a:t>でガード</a:t>
+            </a:r>
+            <a:r>
+              <a:rPr lang="en-US" altLang="ja-JP" dirty="0"/>
+              <a:t>		</a:t>
+            </a:r>
+            <a:r>
+              <a:rPr lang="ja-JP" altLang="en-US" dirty="0"/>
+              <a:t>　</a:t>
+            </a:r>
+            <a:r>
+              <a:rPr lang="en-US" altLang="ja-JP" dirty="0"/>
+              <a:t>	</a:t>
+            </a:r>
+            <a:r>
+              <a:rPr lang="ja-JP" altLang="en-US" dirty="0"/>
+              <a:t>　左スティックで移動</a:t>
             </a:r>
             <a:endParaRPr lang="en-US" altLang="ja-JP" dirty="0"/>
           </a:p>
@@ -14994,7 +16651,15 @@
             </a:pPr>
             <a:r>
               <a:rPr lang="ja-JP" altLang="en-US" dirty="0"/>
-              <a:t>■斜め上端に各プレイヤーの体力を表示</a:t>
+              <a:t>　</a:t>
+            </a:r>
+            <a:r>
+              <a:rPr lang="en-US" altLang="ja-JP" dirty="0"/>
+              <a:t>option</a:t>
+            </a:r>
+            <a:r>
+              <a:rPr lang="ja-JP" altLang="en-US" dirty="0"/>
+              <a:t>ボタンでメニュー画面へ</a:t>
             </a:r>
             <a:endParaRPr lang="en-US" altLang="ja-JP" dirty="0"/>
           </a:p>
@@ -15004,7 +16669,7 @@
             </a:pPr>
             <a:r>
               <a:rPr lang="ja-JP" altLang="en-US" dirty="0"/>
-              <a:t>　相手の攻撃に触れるごとにダメージ</a:t>
+              <a:t>■斜め上端に各プレイヤーの体力を表示</a:t>
             </a:r>
             <a:endParaRPr lang="en-US" altLang="ja-JP" dirty="0"/>
           </a:p>
@@ -15014,7 +16679,7 @@
             </a:pPr>
             <a:r>
               <a:rPr lang="ja-JP" altLang="en-US" dirty="0"/>
-              <a:t>■上に制限時間を表示、最大１２０秒</a:t>
+              <a:t>　相手の攻撃に触れるごとにダメージ</a:t>
             </a:r>
             <a:endParaRPr lang="en-US" altLang="ja-JP" dirty="0"/>
           </a:p>
@@ -15024,15 +16689,7 @@
             </a:pPr>
             <a:r>
               <a:rPr lang="ja-JP" altLang="en-US" dirty="0"/>
-              <a:t>　残り時間が</a:t>
-            </a:r>
-            <a:r>
-              <a:rPr lang="en-US" altLang="ja-JP" dirty="0"/>
-              <a:t>0</a:t>
-            </a:r>
-            <a:r>
-              <a:rPr lang="ja-JP" altLang="en-US" dirty="0"/>
-              <a:t>になった場合、体力が多いほうが多いほうが勝利する</a:t>
+              <a:t>■上に制限時間を表示、最大１２０秒</a:t>
             </a:r>
             <a:endParaRPr lang="en-US" altLang="ja-JP" dirty="0"/>
           </a:p>
@@ -15042,7 +16699,15 @@
             </a:pPr>
             <a:r>
               <a:rPr lang="ja-JP" altLang="en-US" dirty="0"/>
-              <a:t>■エネルギーゲージを各プレイヤーの体力の下に表示</a:t>
+              <a:t>　残り時間が</a:t>
+            </a:r>
+            <a:r>
+              <a:rPr lang="en-US" altLang="ja-JP" dirty="0"/>
+              <a:t>0</a:t>
+            </a:r>
+            <a:r>
+              <a:rPr lang="ja-JP" altLang="en-US" dirty="0"/>
+              <a:t>になった場合、体力が多いほうが勝利する</a:t>
             </a:r>
             <a:endParaRPr lang="en-US" altLang="ja-JP" dirty="0"/>
           </a:p>
@@ -15052,7 +16717,7 @@
             </a:pPr>
             <a:r>
               <a:rPr lang="ja-JP" altLang="en-US" dirty="0"/>
-              <a:t>　子機を使用するごとに減少、自然回復</a:t>
+              <a:t>■エネルギーゲージを各プレイヤーの体力の下に表示</a:t>
             </a:r>
             <a:endParaRPr lang="en-US" altLang="ja-JP" dirty="0"/>
           </a:p>
@@ -15061,9 +16726,68 @@
               <a:buNone/>
             </a:pPr>
             <a:r>
+              <a:rPr lang="ja-JP" altLang="en-US" dirty="0"/>
+              <a:t>　子機を使用するごとに減少、自然回復</a:t>
+            </a:r>
+            <a:endParaRPr lang="en-US" altLang="ja-JP" dirty="0"/>
+          </a:p>
+          <a:p>
+            <a:pPr marL="0" indent="0">
+              <a:buNone/>
+            </a:pPr>
+            <a:r>
               <a:rPr kumimoji="1" lang="ja-JP" altLang="en-US" dirty="0"/>
               <a:t>　</a:t>
             </a:r>
+          </a:p>
+        </p:txBody>
+      </p:sp>
+      <p:sp>
+        <p:nvSpPr>
+          <p:cNvPr id="4" name="楕円 3">
+            <a:extLst>
+              <a:ext uri="{FF2B5EF4-FFF2-40B4-BE49-F238E27FC236}">
+                <a16:creationId xmlns:a16="http://schemas.microsoft.com/office/drawing/2014/main" id="{DF54E053-4BFA-4B56-999D-A2C96A5BB932}"/>
+              </a:ext>
+            </a:extLst>
+          </p:cNvPr>
+          <p:cNvSpPr/>
+          <p:nvPr/>
+        </p:nvSpPr>
+        <p:spPr>
+          <a:xfrm>
+            <a:off x="6946920" y="595362"/>
+            <a:ext cx="1001848" cy="859693"/>
+          </a:xfrm>
+          <a:prstGeom prst="ellipse">
+            <a:avLst/>
+          </a:prstGeom>
+          <a:solidFill>
+            <a:srgbClr val="FF0000"/>
+          </a:solidFill>
+        </p:spPr>
+        <p:style>
+          <a:lnRef idx="2">
+            <a:schemeClr val="accent1">
+              <a:shade val="50000"/>
+            </a:schemeClr>
+          </a:lnRef>
+          <a:fillRef idx="1">
+            <a:schemeClr val="accent1"/>
+          </a:fillRef>
+          <a:effectRef idx="0">
+            <a:schemeClr val="accent1"/>
+          </a:effectRef>
+          <a:fontRef idx="minor">
+            <a:schemeClr val="lt1"/>
+          </a:fontRef>
+        </p:style>
+        <p:txBody>
+          <a:bodyPr rtlCol="0" anchor="ctr"/>
+          <a:lstStyle/>
+          <a:p>
+            <a:pPr algn="ctr"/>
+            <a:endParaRPr kumimoji="1" lang="ja-JP" altLang="en-US"/>
           </a:p>
         </p:txBody>
       </p:sp>

--- a/doc/後期プロゼミ仕様書UFO.pptx
+++ b/doc/後期プロゼミ仕様書UFO.pptx
@@ -4790,14 +4790,14 @@
             <p:ph idx="1"/>
             <p:extLst>
               <p:ext uri="{D42A27DB-BD31-4B8C-83A1-F6EECF244321}">
-                <p14:modId xmlns:p14="http://schemas.microsoft.com/office/powerpoint/2010/main" val="3850586103"/>
+                <p14:modId xmlns:p14="http://schemas.microsoft.com/office/powerpoint/2010/main" val="2276995941"/>
               </p:ext>
             </p:extLst>
           </p:nvPr>
         </p:nvGraphicFramePr>
         <p:xfrm>
           <a:off x="1371600" y="1589087"/>
-          <a:ext cx="9102436" cy="4408831"/>
+          <a:ext cx="9102436" cy="4713892"/>
         </p:xfrm>
         <a:graphic>
           <a:graphicData uri="http://schemas.openxmlformats.org/drawingml/2006/table">
@@ -4856,7 +4856,7 @@
                     <a:p>
                       <a:r>
                         <a:rPr kumimoji="1" lang="ja-JP" altLang="en-US" dirty="0"/>
-                        <a:t>攻撃速度</a:t>
+                        <a:t>特徴</a:t>
                       </a:r>
                     </a:p>
                   </a:txBody>
@@ -4915,7 +4915,7 @@
                     <a:p>
                       <a:r>
                         <a:rPr kumimoji="1" lang="ja-JP" altLang="en-US" dirty="0"/>
-                        <a:t>０．５秒</a:t>
+                        <a:t>攻撃速度が０．５秒</a:t>
                       </a:r>
                     </a:p>
                   </a:txBody>
@@ -4971,7 +4971,7 @@
                     <a:p>
                       <a:r>
                         <a:rPr kumimoji="1" lang="ja-JP" altLang="en-US" dirty="0"/>
-                        <a:t>０．２５秒</a:t>
+                        <a:t>攻撃速度が０．２５秒</a:t>
                       </a:r>
                     </a:p>
                   </a:txBody>
@@ -4982,7 +4982,7 @@
                     <a:bodyPr/>
                     <a:lstStyle/>
                     <a:p>
-                      <a:endParaRPr kumimoji="1" lang="ja-JP" altLang="en-US"/>
+                      <a:endParaRPr kumimoji="1" lang="ja-JP" altLang="en-US" dirty="0"/>
                     </a:p>
                   </a:txBody>
                   <a:tcPr/>
@@ -5027,7 +5027,7 @@
                     <a:p>
                       <a:r>
                         <a:rPr kumimoji="1" lang="ja-JP" altLang="en-US" dirty="0"/>
-                        <a:t>０．７５秒</a:t>
+                        <a:t>攻撃速度が０．７５秒</a:t>
                       </a:r>
                     </a:p>
                   </a:txBody>
@@ -5085,7 +5085,10 @@
                     <a:bodyPr/>
                     <a:lstStyle/>
                     <a:p>
-                      <a:endParaRPr kumimoji="1" lang="ja-JP" altLang="en-US" dirty="0"/>
+                      <a:r>
+                        <a:rPr kumimoji="1" lang="ja-JP" altLang="en-US" dirty="0"/>
+                        <a:t>０．１秒で１発</a:t>
+                      </a:r>
                     </a:p>
                   </a:txBody>
                   <a:tcPr>
@@ -5262,7 +5265,18 @@
                     <a:bodyPr/>
                     <a:lstStyle/>
                     <a:p>
-                      <a:endParaRPr kumimoji="1" lang="ja-JP" altLang="en-US" dirty="0"/>
+                      <a:r>
+                        <a:rPr kumimoji="1" lang="ja-JP" altLang="en-US" dirty="0"/>
+                        <a:t>レーザー、マシンガンに比べて弾速が</a:t>
+                      </a:r>
+                      <a:r>
+                        <a:rPr kumimoji="1" lang="en-US" altLang="ja-JP" dirty="0"/>
+                        <a:t>0.5</a:t>
+                      </a:r>
+                      <a:r>
+                        <a:rPr kumimoji="1" lang="ja-JP" altLang="en-US" dirty="0"/>
+                        <a:t>倍</a:t>
+                      </a:r>
                     </a:p>
                   </a:txBody>
                   <a:tcPr>
@@ -16739,55 +16753,6 @@
               <a:rPr kumimoji="1" lang="ja-JP" altLang="en-US" dirty="0"/>
               <a:t>　</a:t>
             </a:r>
-          </a:p>
-        </p:txBody>
-      </p:sp>
-      <p:sp>
-        <p:nvSpPr>
-          <p:cNvPr id="4" name="楕円 3">
-            <a:extLst>
-              <a:ext uri="{FF2B5EF4-FFF2-40B4-BE49-F238E27FC236}">
-                <a16:creationId xmlns:a16="http://schemas.microsoft.com/office/drawing/2014/main" id="{DF54E053-4BFA-4B56-999D-A2C96A5BB932}"/>
-              </a:ext>
-            </a:extLst>
-          </p:cNvPr>
-          <p:cNvSpPr/>
-          <p:nvPr/>
-        </p:nvSpPr>
-        <p:spPr>
-          <a:xfrm>
-            <a:off x="6946920" y="595362"/>
-            <a:ext cx="1001848" cy="859693"/>
-          </a:xfrm>
-          <a:prstGeom prst="ellipse">
-            <a:avLst/>
-          </a:prstGeom>
-          <a:solidFill>
-            <a:srgbClr val="FF0000"/>
-          </a:solidFill>
-        </p:spPr>
-        <p:style>
-          <a:lnRef idx="2">
-            <a:schemeClr val="accent1">
-              <a:shade val="50000"/>
-            </a:schemeClr>
-          </a:lnRef>
-          <a:fillRef idx="1">
-            <a:schemeClr val="accent1"/>
-          </a:fillRef>
-          <a:effectRef idx="0">
-            <a:schemeClr val="accent1"/>
-          </a:effectRef>
-          <a:fontRef idx="minor">
-            <a:schemeClr val="lt1"/>
-          </a:fontRef>
-        </p:style>
-        <p:txBody>
-          <a:bodyPr rtlCol="0" anchor="ctr"/>
-          <a:lstStyle/>
-          <a:p>
-            <a:pPr algn="ctr"/>
-            <a:endParaRPr kumimoji="1" lang="ja-JP" altLang="en-US"/>
           </a:p>
         </p:txBody>
       </p:sp>
